--- a/diagramme_de_classe.pptx
+++ b/diagramme_de_classe.pptx
@@ -259,7 +259,7 @@
           <a:p>
             <a:fld id="{09290FA0-1D6D-4AD1-8F64-BA6E9C8EE7F5}" type="datetimeFigureOut">
               <a:rPr lang="fr-FR" smtClean="0"/>
-              <a:t>25/04/2024</a:t>
+              <a:t>26/04/2024</a:t>
             </a:fld>
             <a:endParaRPr lang="fr-FR"/>
           </a:p>
@@ -457,7 +457,7 @@
           <a:p>
             <a:fld id="{09290FA0-1D6D-4AD1-8F64-BA6E9C8EE7F5}" type="datetimeFigureOut">
               <a:rPr lang="fr-FR" smtClean="0"/>
-              <a:t>25/04/2024</a:t>
+              <a:t>26/04/2024</a:t>
             </a:fld>
             <a:endParaRPr lang="fr-FR"/>
           </a:p>
@@ -665,7 +665,7 @@
           <a:p>
             <a:fld id="{09290FA0-1D6D-4AD1-8F64-BA6E9C8EE7F5}" type="datetimeFigureOut">
               <a:rPr lang="fr-FR" smtClean="0"/>
-              <a:t>25/04/2024</a:t>
+              <a:t>26/04/2024</a:t>
             </a:fld>
             <a:endParaRPr lang="fr-FR"/>
           </a:p>
@@ -863,7 +863,7 @@
           <a:p>
             <a:fld id="{09290FA0-1D6D-4AD1-8F64-BA6E9C8EE7F5}" type="datetimeFigureOut">
               <a:rPr lang="fr-FR" smtClean="0"/>
-              <a:t>25/04/2024</a:t>
+              <a:t>26/04/2024</a:t>
             </a:fld>
             <a:endParaRPr lang="fr-FR"/>
           </a:p>
@@ -1138,7 +1138,7 @@
           <a:p>
             <a:fld id="{09290FA0-1D6D-4AD1-8F64-BA6E9C8EE7F5}" type="datetimeFigureOut">
               <a:rPr lang="fr-FR" smtClean="0"/>
-              <a:t>25/04/2024</a:t>
+              <a:t>26/04/2024</a:t>
             </a:fld>
             <a:endParaRPr lang="fr-FR"/>
           </a:p>
@@ -1403,7 +1403,7 @@
           <a:p>
             <a:fld id="{09290FA0-1D6D-4AD1-8F64-BA6E9C8EE7F5}" type="datetimeFigureOut">
               <a:rPr lang="fr-FR" smtClean="0"/>
-              <a:t>25/04/2024</a:t>
+              <a:t>26/04/2024</a:t>
             </a:fld>
             <a:endParaRPr lang="fr-FR"/>
           </a:p>
@@ -1815,7 +1815,7 @@
           <a:p>
             <a:fld id="{09290FA0-1D6D-4AD1-8F64-BA6E9C8EE7F5}" type="datetimeFigureOut">
               <a:rPr lang="fr-FR" smtClean="0"/>
-              <a:t>25/04/2024</a:t>
+              <a:t>26/04/2024</a:t>
             </a:fld>
             <a:endParaRPr lang="fr-FR"/>
           </a:p>
@@ -1956,7 +1956,7 @@
           <a:p>
             <a:fld id="{09290FA0-1D6D-4AD1-8F64-BA6E9C8EE7F5}" type="datetimeFigureOut">
               <a:rPr lang="fr-FR" smtClean="0"/>
-              <a:t>25/04/2024</a:t>
+              <a:t>26/04/2024</a:t>
             </a:fld>
             <a:endParaRPr lang="fr-FR"/>
           </a:p>
@@ -2069,7 +2069,7 @@
           <a:p>
             <a:fld id="{09290FA0-1D6D-4AD1-8F64-BA6E9C8EE7F5}" type="datetimeFigureOut">
               <a:rPr lang="fr-FR" smtClean="0"/>
-              <a:t>25/04/2024</a:t>
+              <a:t>26/04/2024</a:t>
             </a:fld>
             <a:endParaRPr lang="fr-FR"/>
           </a:p>
@@ -2380,7 +2380,7 @@
           <a:p>
             <a:fld id="{09290FA0-1D6D-4AD1-8F64-BA6E9C8EE7F5}" type="datetimeFigureOut">
               <a:rPr lang="fr-FR" smtClean="0"/>
-              <a:t>25/04/2024</a:t>
+              <a:t>26/04/2024</a:t>
             </a:fld>
             <a:endParaRPr lang="fr-FR"/>
           </a:p>
@@ -2668,7 +2668,7 @@
           <a:p>
             <a:fld id="{09290FA0-1D6D-4AD1-8F64-BA6E9C8EE7F5}" type="datetimeFigureOut">
               <a:rPr lang="fr-FR" smtClean="0"/>
-              <a:t>25/04/2024</a:t>
+              <a:t>26/04/2024</a:t>
             </a:fld>
             <a:endParaRPr lang="fr-FR"/>
           </a:p>
@@ -2909,7 +2909,7 @@
           <a:p>
             <a:fld id="{09290FA0-1D6D-4AD1-8F64-BA6E9C8EE7F5}" type="datetimeFigureOut">
               <a:rPr lang="fr-FR" smtClean="0"/>
-              <a:t>25/04/2024</a:t>
+              <a:t>26/04/2024</a:t>
             </a:fld>
             <a:endParaRPr lang="fr-FR"/>
           </a:p>
@@ -3328,10 +3328,10 @@
       </p:grpSpPr>
       <p:sp>
         <p:nvSpPr>
-          <p:cNvPr id="4" name="Rectangle 3">
-            <a:extLst>
-              <a:ext uri="{FF2B5EF4-FFF2-40B4-BE49-F238E27FC236}">
-                <a16:creationId xmlns:a16="http://schemas.microsoft.com/office/drawing/2014/main" id="{5D0FBD39-B8A1-47A6-AF2C-295C096E3E0D}"/>
+          <p:cNvPr id="7" name="Rectangle 6">
+            <a:extLst>
+              <a:ext uri="{FF2B5EF4-FFF2-40B4-BE49-F238E27FC236}">
+                <a16:creationId xmlns:a16="http://schemas.microsoft.com/office/drawing/2014/main" id="{940E1965-B55C-4C75-96DA-C9C041B352D6}"/>
               </a:ext>
             </a:extLst>
           </p:cNvPr>
@@ -3340,8 +3340,8 @@
         </p:nvSpPr>
         <p:spPr>
           <a:xfrm>
-            <a:off x="5431766" y="863532"/>
-            <a:ext cx="1238488" cy="184667"/>
+            <a:off x="5432732" y="1043408"/>
+            <a:ext cx="1238504" cy="1738076"/>
           </a:xfrm>
           <a:prstGeom prst="rect">
             <a:avLst/>
@@ -3382,10 +3382,10 @@
       </p:sp>
       <p:sp>
         <p:nvSpPr>
-          <p:cNvPr id="5" name="ZoneTexte 4">
-            <a:extLst>
-              <a:ext uri="{FF2B5EF4-FFF2-40B4-BE49-F238E27FC236}">
-                <a16:creationId xmlns:a16="http://schemas.microsoft.com/office/drawing/2014/main" id="{FDB8A976-F5BF-4ED9-9B43-2B58FDDE9023}"/>
+          <p:cNvPr id="8" name="ZoneTexte 7">
+            <a:extLst>
+              <a:ext uri="{FF2B5EF4-FFF2-40B4-BE49-F238E27FC236}">
+                <a16:creationId xmlns:a16="http://schemas.microsoft.com/office/drawing/2014/main" id="{085ED348-7C75-44B0-882C-5EFAFACECFCE}"/>
               </a:ext>
             </a:extLst>
           </p:cNvPr>
@@ -3394,97 +3394,7 @@
         </p:nvSpPr>
         <p:spPr>
           <a:xfrm>
-            <a:off x="5439693" y="867282"/>
-            <a:ext cx="1238504" cy="184666"/>
-          </a:xfrm>
-          <a:prstGeom prst="rect">
-            <a:avLst/>
-          </a:prstGeom>
-          <a:noFill/>
-        </p:spPr>
-        <p:txBody>
-          <a:bodyPr wrap="square" rtlCol="0">
-            <a:spAutoFit/>
-          </a:bodyPr>
-          <a:lstStyle/>
-          <a:p>
-            <a:r>
-              <a:rPr lang="fr-FR" sz="600" dirty="0" err="1"/>
-              <a:t>Creature</a:t>
-            </a:r>
-            <a:endParaRPr lang="fr-FR" sz="600" dirty="0"/>
-          </a:p>
-        </p:txBody>
-      </p:sp>
-      <p:sp>
-        <p:nvSpPr>
-          <p:cNvPr id="7" name="Rectangle 6">
-            <a:extLst>
-              <a:ext uri="{FF2B5EF4-FFF2-40B4-BE49-F238E27FC236}">
-                <a16:creationId xmlns:a16="http://schemas.microsoft.com/office/drawing/2014/main" id="{940E1965-B55C-4C75-96DA-C9C041B352D6}"/>
-              </a:ext>
-            </a:extLst>
-          </p:cNvPr>
-          <p:cNvSpPr/>
-          <p:nvPr/>
-        </p:nvSpPr>
-        <p:spPr>
-          <a:xfrm>
-            <a:off x="5432732" y="1043408"/>
-            <a:ext cx="1238504" cy="1738076"/>
-          </a:xfrm>
-          <a:prstGeom prst="rect">
-            <a:avLst/>
-          </a:prstGeom>
-          <a:solidFill>
-            <a:schemeClr val="bg1"/>
-          </a:solidFill>
-          <a:ln>
-            <a:solidFill>
-              <a:schemeClr val="tx1"/>
-            </a:solidFill>
-          </a:ln>
-        </p:spPr>
-        <p:style>
-          <a:lnRef idx="2">
-            <a:schemeClr val="accent1">
-              <a:shade val="50000"/>
-            </a:schemeClr>
-          </a:lnRef>
-          <a:fillRef idx="1">
-            <a:schemeClr val="accent1"/>
-          </a:fillRef>
-          <a:effectRef idx="0">
-            <a:schemeClr val="accent1"/>
-          </a:effectRef>
-          <a:fontRef idx="minor">
-            <a:schemeClr val="lt1"/>
-          </a:fontRef>
-        </p:style>
-        <p:txBody>
-          <a:bodyPr rtlCol="0" anchor="ctr"/>
-          <a:lstStyle/>
-          <a:p>
-            <a:pPr algn="ctr"/>
-            <a:endParaRPr lang="fr-FR"/>
-          </a:p>
-        </p:txBody>
-      </p:sp>
-      <p:sp>
-        <p:nvSpPr>
-          <p:cNvPr id="8" name="ZoneTexte 7">
-            <a:extLst>
-              <a:ext uri="{FF2B5EF4-FFF2-40B4-BE49-F238E27FC236}">
-                <a16:creationId xmlns:a16="http://schemas.microsoft.com/office/drawing/2014/main" id="{085ED348-7C75-44B0-882C-5EFAFACECFCE}"/>
-              </a:ext>
-            </a:extLst>
-          </p:cNvPr>
-          <p:cNvSpPr txBox="1"/>
-          <p:nvPr/>
-        </p:nvSpPr>
-        <p:spPr>
-          <a:xfrm>
-            <a:off x="5436521" y="1021446"/>
+            <a:off x="5434574" y="1045861"/>
             <a:ext cx="1238504" cy="1754326"/>
           </a:xfrm>
           <a:prstGeom prst="rect">
@@ -7477,7 +7387,7 @@
         </p:nvSpPr>
         <p:spPr>
           <a:xfrm>
-            <a:off x="3792774" y="4837642"/>
+            <a:off x="3792774" y="4894500"/>
             <a:ext cx="1007519" cy="184667"/>
           </a:xfrm>
           <a:prstGeom prst="rect">
@@ -7531,7 +7441,7 @@
         </p:nvSpPr>
         <p:spPr>
           <a:xfrm>
-            <a:off x="3792761" y="4849004"/>
+            <a:off x="3792761" y="4905862"/>
             <a:ext cx="1007532" cy="184666"/>
           </a:xfrm>
           <a:prstGeom prst="rect">
@@ -7566,7 +7476,7 @@
         </p:nvSpPr>
         <p:spPr>
           <a:xfrm>
-            <a:off x="3792761" y="5022432"/>
+            <a:off x="3792761" y="5079290"/>
             <a:ext cx="1007532" cy="296291"/>
           </a:xfrm>
           <a:prstGeom prst="rect">
@@ -7620,7 +7530,7 @@
         </p:nvSpPr>
         <p:spPr>
           <a:xfrm>
-            <a:off x="3792761" y="5022309"/>
+            <a:off x="3792761" y="5079167"/>
             <a:ext cx="1007519" cy="276999"/>
           </a:xfrm>
           <a:prstGeom prst="rect">
@@ -7687,7 +7597,7 @@
         </p:nvSpPr>
         <p:spPr>
           <a:xfrm>
-            <a:off x="3792761" y="5316152"/>
+            <a:off x="3792761" y="5373010"/>
             <a:ext cx="1007532" cy="67957"/>
           </a:xfrm>
           <a:prstGeom prst="rect">
@@ -7744,9 +7654,9 @@
           <p:nvPr/>
         </p:nvCxnSpPr>
         <p:spPr>
-          <a:xfrm>
-            <a:off x="4800280" y="5160809"/>
-            <a:ext cx="569004" cy="1722"/>
+          <a:xfrm flipV="1">
+            <a:off x="4800280" y="5215915"/>
+            <a:ext cx="577785" cy="1752"/>
           </a:xfrm>
           <a:prstGeom prst="line">
             <a:avLst/>
@@ -7972,8 +7882,8 @@
         </p:nvSpPr>
         <p:spPr>
           <a:xfrm>
-            <a:off x="5378810" y="4747201"/>
-            <a:ext cx="1007532" cy="846751"/>
+            <a:off x="5378810" y="4747200"/>
+            <a:ext cx="1007532" cy="1005481"/>
           </a:xfrm>
           <a:prstGeom prst="rect">
             <a:avLst/>
@@ -8026,7 +7936,7 @@
         </p:nvSpPr>
         <p:spPr>
           <a:xfrm>
-            <a:off x="5378810" y="5567733"/>
+            <a:off x="5378810" y="5745306"/>
             <a:ext cx="1007532" cy="255377"/>
           </a:xfrm>
           <a:prstGeom prst="rect">
@@ -8080,8 +7990,8 @@
         </p:nvSpPr>
         <p:spPr>
           <a:xfrm>
-            <a:off x="5369284" y="4747032"/>
-            <a:ext cx="1007532" cy="830997"/>
+            <a:off x="5378065" y="4754250"/>
+            <a:ext cx="1007532" cy="923330"/>
           </a:xfrm>
           <a:prstGeom prst="rect">
             <a:avLst/>
@@ -8096,6 +8006,20 @@
           <a:p>
             <a:r>
               <a:rPr lang="fr-FR" sz="600" dirty="0"/>
+              <a:t>-position: </a:t>
+            </a:r>
+            <a:r>
+              <a:rPr lang="fr-FR" sz="600" dirty="0" err="1"/>
+              <a:t>int</a:t>
+            </a:r>
+            <a:r>
+              <a:rPr lang="fr-FR" sz="600" dirty="0"/>
+              <a:t>[]</a:t>
+            </a:r>
+          </a:p>
+          <a:p>
+            <a:r>
+              <a:rPr lang="fr-FR" sz="600" dirty="0"/>
               <a:t>-</a:t>
             </a:r>
             <a:r>
@@ -8252,7 +8176,7 @@
         </p:nvSpPr>
         <p:spPr>
           <a:xfrm>
-            <a:off x="5354456" y="5556921"/>
+            <a:off x="5376140" y="5747080"/>
             <a:ext cx="1007532" cy="276999"/>
           </a:xfrm>
           <a:prstGeom prst="rect">
@@ -8319,7 +8243,7 @@
         </p:nvSpPr>
         <p:spPr>
           <a:xfrm>
-            <a:off x="4938957" y="6266684"/>
+            <a:off x="4943719" y="6426720"/>
             <a:ext cx="526264" cy="184667"/>
           </a:xfrm>
           <a:prstGeom prst="rect">
@@ -8373,7 +8297,7 @@
         </p:nvSpPr>
         <p:spPr>
           <a:xfrm>
-            <a:off x="4938943" y="6278046"/>
+            <a:off x="4943705" y="6438082"/>
             <a:ext cx="526271" cy="184666"/>
           </a:xfrm>
           <a:prstGeom prst="rect">
@@ -8408,7 +8332,7 @@
         </p:nvSpPr>
         <p:spPr>
           <a:xfrm>
-            <a:off x="4938943" y="6451475"/>
+            <a:off x="4943705" y="6611511"/>
             <a:ext cx="526271" cy="58030"/>
           </a:xfrm>
           <a:prstGeom prst="rect">
@@ -8462,7 +8386,7 @@
         </p:nvSpPr>
         <p:spPr>
           <a:xfrm>
-            <a:off x="4938943" y="6511551"/>
+            <a:off x="4943705" y="6671587"/>
             <a:ext cx="526271" cy="58030"/>
           </a:xfrm>
           <a:prstGeom prst="rect">
@@ -8516,7 +8440,7 @@
         </p:nvSpPr>
         <p:spPr>
           <a:xfrm>
-            <a:off x="5594826" y="6266684"/>
+            <a:off x="5599588" y="6426720"/>
             <a:ext cx="526263" cy="184667"/>
           </a:xfrm>
           <a:prstGeom prst="rect">
@@ -8570,7 +8494,7 @@
         </p:nvSpPr>
         <p:spPr>
           <a:xfrm>
-            <a:off x="5594813" y="6278046"/>
+            <a:off x="5599575" y="6438082"/>
             <a:ext cx="526270" cy="184666"/>
           </a:xfrm>
           <a:prstGeom prst="rect">
@@ -8606,7 +8530,7 @@
         </p:nvSpPr>
         <p:spPr>
           <a:xfrm>
-            <a:off x="5594813" y="6451475"/>
+            <a:off x="5599575" y="6611511"/>
             <a:ext cx="526270" cy="58030"/>
           </a:xfrm>
           <a:prstGeom prst="rect">
@@ -8660,7 +8584,7 @@
         </p:nvSpPr>
         <p:spPr>
           <a:xfrm>
-            <a:off x="5594813" y="6511551"/>
+            <a:off x="5599575" y="6671587"/>
             <a:ext cx="526270" cy="58030"/>
           </a:xfrm>
           <a:prstGeom prst="rect">
@@ -8714,7 +8638,7 @@
         </p:nvSpPr>
         <p:spPr>
           <a:xfrm>
-            <a:off x="6255436" y="6266684"/>
+            <a:off x="6260198" y="6426720"/>
             <a:ext cx="526263" cy="184667"/>
           </a:xfrm>
           <a:prstGeom prst="rect">
@@ -8768,7 +8692,7 @@
         </p:nvSpPr>
         <p:spPr>
           <a:xfrm>
-            <a:off x="6250675" y="6273862"/>
+            <a:off x="6255437" y="6433898"/>
             <a:ext cx="526270" cy="184666"/>
           </a:xfrm>
           <a:prstGeom prst="rect">
@@ -8804,7 +8728,7 @@
         </p:nvSpPr>
         <p:spPr>
           <a:xfrm>
-            <a:off x="6255423" y="6451475"/>
+            <a:off x="6260185" y="6611511"/>
             <a:ext cx="526270" cy="58030"/>
           </a:xfrm>
           <a:prstGeom prst="rect">
@@ -8858,7 +8782,7 @@
         </p:nvSpPr>
         <p:spPr>
           <a:xfrm>
-            <a:off x="6255423" y="6511551"/>
+            <a:off x="6260185" y="6671587"/>
             <a:ext cx="526270" cy="58030"/>
           </a:xfrm>
           <a:prstGeom prst="rect">
@@ -8914,7 +8838,7 @@
         </p:nvCxnSpPr>
         <p:spPr>
           <a:xfrm>
-            <a:off x="5202078" y="6050964"/>
+            <a:off x="5206840" y="6211000"/>
             <a:ext cx="1341943" cy="2269"/>
           </a:xfrm>
           <a:prstGeom prst="line">
@@ -8957,7 +8881,7 @@
         </p:nvCxnSpPr>
         <p:spPr>
           <a:xfrm flipV="1">
-            <a:off x="5202079" y="6052846"/>
+            <a:off x="5206841" y="6212882"/>
             <a:ext cx="0" cy="215676"/>
           </a:xfrm>
           <a:prstGeom prst="line">
@@ -9000,7 +8924,7 @@
         </p:nvCxnSpPr>
         <p:spPr>
           <a:xfrm flipV="1">
-            <a:off x="5861144" y="6053424"/>
+            <a:off x="5865906" y="6213460"/>
             <a:ext cx="0" cy="215676"/>
           </a:xfrm>
           <a:prstGeom prst="line">
@@ -9043,7 +8967,7 @@
         </p:nvCxnSpPr>
         <p:spPr>
           <a:xfrm flipV="1">
-            <a:off x="6538607" y="6052846"/>
+            <a:off x="6543369" y="6212882"/>
             <a:ext cx="0" cy="215676"/>
           </a:xfrm>
           <a:prstGeom prst="line">
@@ -9086,7 +9010,7 @@
         </p:nvCxnSpPr>
         <p:spPr>
           <a:xfrm flipV="1">
-            <a:off x="5861144" y="5833242"/>
+            <a:off x="5868287" y="5993278"/>
             <a:ext cx="0" cy="217722"/>
           </a:xfrm>
           <a:prstGeom prst="straightConnector1">
@@ -9488,7 +9412,7 @@
         </p:nvSpPr>
         <p:spPr>
           <a:xfrm>
-            <a:off x="7119542" y="2210051"/>
+            <a:off x="7065100" y="1503431"/>
             <a:ext cx="3500395" cy="184667"/>
           </a:xfrm>
           <a:prstGeom prst="rect">
@@ -9542,7 +9466,7 @@
         </p:nvSpPr>
         <p:spPr>
           <a:xfrm>
-            <a:off x="7125892" y="2212716"/>
+            <a:off x="7071450" y="1506096"/>
             <a:ext cx="3500439" cy="184666"/>
           </a:xfrm>
           <a:prstGeom prst="rect">
@@ -9577,7 +9501,7 @@
         </p:nvSpPr>
         <p:spPr>
           <a:xfrm>
-            <a:off x="7118358" y="2391763"/>
+            <a:off x="7063916" y="1685143"/>
             <a:ext cx="3500439" cy="519505"/>
           </a:xfrm>
           <a:prstGeom prst="rect">
@@ -9631,7 +9555,7 @@
         </p:nvSpPr>
         <p:spPr>
           <a:xfrm>
-            <a:off x="7118119" y="2378664"/>
+            <a:off x="7063677" y="1672044"/>
             <a:ext cx="3500439" cy="553998"/>
           </a:xfrm>
           <a:prstGeom prst="rect">
@@ -9741,8 +9665,8 @@
         </p:nvSpPr>
         <p:spPr>
           <a:xfrm>
-            <a:off x="7118597" y="2908691"/>
-            <a:ext cx="3500439" cy="436437"/>
+            <a:off x="7064155" y="2202071"/>
+            <a:ext cx="3500439" cy="828684"/>
           </a:xfrm>
           <a:prstGeom prst="rect">
             <a:avLst/>
@@ -9797,8 +9721,8 @@
         </p:nvCxnSpPr>
         <p:spPr>
           <a:xfrm flipV="1">
-            <a:off x="8771527" y="3353501"/>
-            <a:ext cx="0" cy="1289880"/>
+            <a:off x="8800108" y="3173722"/>
+            <a:ext cx="19144" cy="1474424"/>
           </a:xfrm>
           <a:prstGeom prst="line">
             <a:avLst/>
@@ -9839,8 +9763,8 @@
         </p:nvSpPr>
         <p:spPr>
           <a:xfrm>
-            <a:off x="7118297" y="2894700"/>
-            <a:ext cx="3500439" cy="461665"/>
+            <a:off x="7059888" y="2198489"/>
+            <a:ext cx="3500439" cy="923330"/>
           </a:xfrm>
           <a:prstGeom prst="rect">
             <a:avLst/>
@@ -9916,6 +9840,76 @@
             </a:r>
             <a:r>
               <a:rPr lang="fr-FR" sz="600" dirty="0" err="1"/>
+              <a:t>addCreatureInEnclosure</a:t>
+            </a:r>
+            <a:r>
+              <a:rPr lang="fr-FR" sz="600" dirty="0"/>
+              <a:t>(enclosure: Enclosure, </a:t>
+            </a:r>
+            <a:r>
+              <a:rPr lang="fr-FR" sz="600" dirty="0" err="1"/>
+              <a:t>creature</a:t>
+            </a:r>
+            <a:r>
+              <a:rPr lang="fr-FR" sz="600" dirty="0"/>
+              <a:t> </a:t>
+            </a:r>
+            <a:r>
+              <a:rPr lang="fr-FR" sz="600" dirty="0" err="1"/>
+              <a:t>Creature</a:t>
+            </a:r>
+            <a:r>
+              <a:rPr lang="fr-FR" sz="600" dirty="0"/>
+              <a:t>): </a:t>
+            </a:r>
+            <a:r>
+              <a:rPr lang="fr-FR" sz="600" dirty="0" err="1"/>
+              <a:t>void</a:t>
+            </a:r>
+            <a:endParaRPr lang="fr-FR" sz="600" dirty="0"/>
+          </a:p>
+          <a:p>
+            <a:r>
+              <a:rPr lang="fr-FR" sz="600" dirty="0"/>
+              <a:t>+</a:t>
+            </a:r>
+            <a:r>
+              <a:rPr lang="fr-FR" sz="600" dirty="0" err="1"/>
+              <a:t>sellCreatureInEnclosure</a:t>
+            </a:r>
+            <a:r>
+              <a:rPr lang="fr-FR" sz="600" dirty="0"/>
+              <a:t>(enclosure: Enclosure, </a:t>
+            </a:r>
+            <a:r>
+              <a:rPr lang="fr-FR" sz="600" dirty="0" err="1"/>
+              <a:t>creature</a:t>
+            </a:r>
+            <a:r>
+              <a:rPr lang="fr-FR" sz="600" dirty="0"/>
+              <a:t> </a:t>
+            </a:r>
+            <a:r>
+              <a:rPr lang="fr-FR" sz="600" dirty="0" err="1"/>
+              <a:t>Creature</a:t>
+            </a:r>
+            <a:r>
+              <a:rPr lang="fr-FR" sz="600" dirty="0"/>
+              <a:t>): </a:t>
+            </a:r>
+            <a:r>
+              <a:rPr lang="fr-FR" sz="600" dirty="0" err="1"/>
+              <a:t>void</a:t>
+            </a:r>
+            <a:endParaRPr lang="fr-FR" sz="600" dirty="0"/>
+          </a:p>
+          <a:p>
+            <a:r>
+              <a:rPr lang="fr-FR" sz="600" dirty="0"/>
+              <a:t>+</a:t>
+            </a:r>
+            <a:r>
+              <a:rPr lang="fr-FR" sz="600" dirty="0" err="1"/>
               <a:t>moveAnimalFromEnclosure</a:t>
             </a:r>
             <a:r>
@@ -9954,6 +9948,48 @@
               <a:rPr lang="fr-FR" sz="600" dirty="0"/>
               <a:t>: Enclosure)</a:t>
             </a:r>
+            <a:br>
+              <a:rPr lang="fr-FR" sz="600" dirty="0"/>
+            </a:br>
+            <a:r>
+              <a:rPr lang="fr-FR" sz="600" dirty="0"/>
+              <a:t>+</a:t>
+            </a:r>
+            <a:r>
+              <a:rPr lang="fr-FR" sz="600" dirty="0" err="1"/>
+              <a:t>addEnclosure</a:t>
+            </a:r>
+            <a:r>
+              <a:rPr lang="fr-FR" sz="600" dirty="0"/>
+              <a:t>(enclosure: Enclosure): </a:t>
+            </a:r>
+            <a:r>
+              <a:rPr lang="fr-FR" sz="600" dirty="0" err="1"/>
+              <a:t>void</a:t>
+            </a:r>
+            <a:endParaRPr lang="fr-FR" sz="600" dirty="0"/>
+          </a:p>
+          <a:p>
+            <a:r>
+              <a:rPr lang="fr-FR" sz="600" dirty="0"/>
+              <a:t>+</a:t>
+            </a:r>
+            <a:r>
+              <a:rPr lang="fr-FR" sz="600" dirty="0" err="1"/>
+              <a:t>sellEnclosure</a:t>
+            </a:r>
+            <a:r>
+              <a:rPr lang="fr-FR" sz="600" dirty="0"/>
+              <a:t>(enclosure: Enclosure): </a:t>
+            </a:r>
+            <a:r>
+              <a:rPr lang="fr-FR" sz="600" dirty="0" err="1"/>
+              <a:t>void</a:t>
+            </a:r>
+            <a:endParaRPr lang="fr-FR" sz="600" dirty="0"/>
+          </a:p>
+          <a:p>
+            <a:endParaRPr lang="fr-FR" sz="600" dirty="0"/>
           </a:p>
         </p:txBody>
       </p:sp>
@@ -10214,7 +10250,7 @@
         </p:nvSpPr>
         <p:spPr>
           <a:xfrm>
-            <a:off x="224459" y="1426826"/>
+            <a:off x="217316" y="1426826"/>
             <a:ext cx="686487" cy="318695"/>
           </a:xfrm>
           <a:prstGeom prst="rect">
@@ -10268,7 +10304,7 @@
         </p:nvSpPr>
         <p:spPr>
           <a:xfrm>
-            <a:off x="232824" y="1451470"/>
+            <a:off x="225681" y="1451470"/>
             <a:ext cx="686496" cy="276999"/>
           </a:xfrm>
           <a:prstGeom prst="rect">
@@ -10310,7 +10346,7 @@
         </p:nvSpPr>
         <p:spPr>
           <a:xfrm>
-            <a:off x="224446" y="1745645"/>
+            <a:off x="217303" y="1745645"/>
             <a:ext cx="686496" cy="72916"/>
           </a:xfrm>
           <a:prstGeom prst="rect">
@@ -10364,7 +10400,7 @@
         </p:nvSpPr>
         <p:spPr>
           <a:xfrm>
-            <a:off x="224446" y="1818561"/>
+            <a:off x="217303" y="1818561"/>
             <a:ext cx="686496" cy="210446"/>
           </a:xfrm>
           <a:prstGeom prst="rect">
@@ -10418,7 +10454,7 @@
         </p:nvSpPr>
         <p:spPr>
           <a:xfrm>
-            <a:off x="223354" y="1815060"/>
+            <a:off x="216211" y="1815060"/>
             <a:ext cx="686496" cy="184666"/>
           </a:xfrm>
           <a:prstGeom prst="rect">
@@ -10962,7 +10998,7 @@
         </p:nvSpPr>
         <p:spPr>
           <a:xfrm>
-            <a:off x="5822951" y="4366671"/>
+            <a:off x="5825332" y="4378576"/>
             <a:ext cx="96613" cy="176845"/>
           </a:xfrm>
           <a:prstGeom prst="diamond">
@@ -10971,6 +11007,11 @@
           <a:solidFill>
             <a:schemeClr val="bg1"/>
           </a:solidFill>
+          <a:ln>
+            <a:solidFill>
+              <a:schemeClr val="tx1"/>
+            </a:solidFill>
+          </a:ln>
         </p:spPr>
         <p:style>
           <a:lnRef idx="2">
@@ -10993,7 +11034,11 @@
           <a:lstStyle/>
           <a:p>
             <a:pPr algn="ctr"/>
-            <a:endParaRPr lang="fr-FR"/>
+            <a:endParaRPr lang="fr-FR">
+              <a:solidFill>
+                <a:schemeClr val="tx1"/>
+              </a:solidFill>
+            </a:endParaRPr>
           </a:p>
         </p:txBody>
       </p:sp>
@@ -11011,7 +11056,7 @@
         </p:nvSpPr>
         <p:spPr>
           <a:xfrm rot="5400000">
-            <a:off x="8156921" y="4977836"/>
+            <a:off x="8147397" y="4970693"/>
             <a:ext cx="96613" cy="176845"/>
           </a:xfrm>
           <a:prstGeom prst="diamond">
@@ -11020,6 +11065,11 @@
           <a:solidFill>
             <a:schemeClr val="bg1"/>
           </a:solidFill>
+          <a:ln>
+            <a:solidFill>
+              <a:schemeClr val="tx1"/>
+            </a:solidFill>
+          </a:ln>
         </p:spPr>
         <p:style>
           <a:lnRef idx="2">
@@ -11060,7 +11110,7 @@
         </p:nvSpPr>
         <p:spPr>
           <a:xfrm rot="10800000">
-            <a:off x="8723220" y="3353500"/>
+            <a:off x="8770945" y="3044756"/>
             <a:ext cx="96613" cy="176845"/>
           </a:xfrm>
           <a:prstGeom prst="diamond">
@@ -11069,6 +11119,11 @@
           <a:solidFill>
             <a:schemeClr val="bg1"/>
           </a:solidFill>
+          <a:ln>
+            <a:solidFill>
+              <a:schemeClr val="tx1"/>
+            </a:solidFill>
+          </a:ln>
         </p:spPr>
         <p:style>
           <a:lnRef idx="2">
@@ -11109,7 +11164,7 @@
         </p:nvSpPr>
         <p:spPr>
           <a:xfrm rot="16200000">
-            <a:off x="5225122" y="5077933"/>
+            <a:off x="5232555" y="5125119"/>
             <a:ext cx="96613" cy="176845"/>
           </a:xfrm>
           <a:prstGeom prst="diamond">
@@ -11118,6 +11173,11 @@
           <a:solidFill>
             <a:schemeClr val="bg1"/>
           </a:solidFill>
+          <a:ln>
+            <a:solidFill>
+              <a:schemeClr val="tx1"/>
+            </a:solidFill>
+          </a:ln>
         </p:spPr>
         <p:style>
           <a:lnRef idx="2">
@@ -11141,6 +11201,96 @@
           <a:p>
             <a:pPr algn="ctr"/>
             <a:endParaRPr lang="fr-FR"/>
+          </a:p>
+        </p:txBody>
+      </p:sp>
+      <p:sp>
+        <p:nvSpPr>
+          <p:cNvPr id="153" name="Rectangle 152">
+            <a:extLst>
+              <a:ext uri="{FF2B5EF4-FFF2-40B4-BE49-F238E27FC236}">
+                <a16:creationId xmlns:a16="http://schemas.microsoft.com/office/drawing/2014/main" id="{BD2E9647-B47D-4D57-96A5-8380CE95C25E}"/>
+              </a:ext>
+            </a:extLst>
+          </p:cNvPr>
+          <p:cNvSpPr/>
+          <p:nvPr/>
+        </p:nvSpPr>
+        <p:spPr>
+          <a:xfrm>
+            <a:off x="5432732" y="856487"/>
+            <a:ext cx="1238504" cy="186667"/>
+          </a:xfrm>
+          <a:prstGeom prst="rect">
+            <a:avLst/>
+          </a:prstGeom>
+          <a:solidFill>
+            <a:schemeClr val="bg1"/>
+          </a:solidFill>
+          <a:ln>
+            <a:solidFill>
+              <a:schemeClr val="tx1"/>
+            </a:solidFill>
+          </a:ln>
+        </p:spPr>
+        <p:style>
+          <a:lnRef idx="2">
+            <a:schemeClr val="accent1">
+              <a:shade val="50000"/>
+            </a:schemeClr>
+          </a:lnRef>
+          <a:fillRef idx="1">
+            <a:schemeClr val="accent1"/>
+          </a:fillRef>
+          <a:effectRef idx="0">
+            <a:schemeClr val="accent1"/>
+          </a:effectRef>
+          <a:fontRef idx="minor">
+            <a:schemeClr val="lt1"/>
+          </a:fontRef>
+        </p:style>
+        <p:txBody>
+          <a:bodyPr rtlCol="0" anchor="ctr"/>
+          <a:lstStyle/>
+          <a:p>
+            <a:pPr algn="ctr"/>
+            <a:endParaRPr lang="fr-FR"/>
+          </a:p>
+        </p:txBody>
+      </p:sp>
+      <p:sp>
+        <p:nvSpPr>
+          <p:cNvPr id="155" name="ZoneTexte 154">
+            <a:extLst>
+              <a:ext uri="{FF2B5EF4-FFF2-40B4-BE49-F238E27FC236}">
+                <a16:creationId xmlns:a16="http://schemas.microsoft.com/office/drawing/2014/main" id="{A1031440-B320-4106-A643-C38B7F2B25AF}"/>
+              </a:ext>
+            </a:extLst>
+          </p:cNvPr>
+          <p:cNvSpPr txBox="1"/>
+          <p:nvPr/>
+        </p:nvSpPr>
+        <p:spPr>
+          <a:xfrm>
+            <a:off x="5433343" y="861333"/>
+            <a:ext cx="1238504" cy="184666"/>
+          </a:xfrm>
+          <a:prstGeom prst="rect">
+            <a:avLst/>
+          </a:prstGeom>
+          <a:noFill/>
+        </p:spPr>
+        <p:txBody>
+          <a:bodyPr wrap="square" rtlCol="0">
+            <a:spAutoFit/>
+          </a:bodyPr>
+          <a:lstStyle/>
+          <a:p>
+            <a:r>
+              <a:rPr lang="fr-FR" sz="600" dirty="0" err="1"/>
+              <a:t>Creature</a:t>
+            </a:r>
+            <a:endParaRPr lang="fr-FR" sz="600" dirty="0"/>
           </a:p>
         </p:txBody>
       </p:sp>

--- a/diagramme_de_classe.pptx
+++ b/diagramme_de_classe.pptx
@@ -3766,7 +3766,7 @@
         <p:spPr>
           <a:xfrm>
             <a:off x="5444143" y="2763119"/>
-            <a:ext cx="1276911" cy="923330"/>
+            <a:ext cx="1276911" cy="830997"/>
           </a:xfrm>
           <a:prstGeom prst="rect">
             <a:avLst/>
@@ -3871,41 +3871,6 @@
             <a:br>
               <a:rPr lang="fr-FR" sz="600" dirty="0"/>
             </a:br>
-            <a:r>
-              <a:rPr lang="fr-FR" sz="600" dirty="0"/>
-              <a:t>+</a:t>
-            </a:r>
-            <a:r>
-              <a:rPr lang="fr-FR" sz="600" dirty="0" err="1"/>
-              <a:t>changeState</a:t>
-            </a:r>
-            <a:r>
-              <a:rPr lang="fr-FR" sz="600" dirty="0"/>
-              <a:t>(</a:t>
-            </a:r>
-            <a:r>
-              <a:rPr lang="fr-FR" sz="600" dirty="0" err="1"/>
-              <a:t>newState</a:t>
-            </a:r>
-            <a:r>
-              <a:rPr lang="fr-FR" sz="600" dirty="0"/>
-              <a:t>: </a:t>
-            </a:r>
-            <a:r>
-              <a:rPr lang="fr-FR" sz="600" dirty="0" err="1"/>
-              <a:t>int</a:t>
-            </a:r>
-            <a:r>
-              <a:rPr lang="fr-FR" sz="600" dirty="0"/>
-              <a:t>): </a:t>
-            </a:r>
-            <a:r>
-              <a:rPr lang="fr-FR" sz="600" dirty="0" err="1"/>
-              <a:t>void</a:t>
-            </a:r>
-            <a:endParaRPr lang="fr-FR" sz="600" dirty="0"/>
-          </a:p>
-          <a:p>
             <a:r>
               <a:rPr lang="fr-FR" sz="600" dirty="0"/>
               <a:t>+die(): </a:t>
@@ -9400,10 +9365,10 @@
       </p:cxnSp>
       <p:sp>
         <p:nvSpPr>
-          <p:cNvPr id="377" name="Rectangle 376">
-            <a:extLst>
-              <a:ext uri="{FF2B5EF4-FFF2-40B4-BE49-F238E27FC236}">
-                <a16:creationId xmlns:a16="http://schemas.microsoft.com/office/drawing/2014/main" id="{179AAF91-9878-4BC1-AF0B-5FD9D5CCDE78}"/>
+          <p:cNvPr id="379" name="Rectangle 378">
+            <a:extLst>
+              <a:ext uri="{FF2B5EF4-FFF2-40B4-BE49-F238E27FC236}">
+                <a16:creationId xmlns:a16="http://schemas.microsoft.com/office/drawing/2014/main" id="{009B9918-953D-4EA7-8E3A-5FE390280112}"/>
               </a:ext>
             </a:extLst>
           </p:cNvPr>
@@ -9412,8 +9377,8 @@
         </p:nvSpPr>
         <p:spPr>
           <a:xfrm>
-            <a:off x="7065100" y="1503431"/>
-            <a:ext cx="3500395" cy="184667"/>
+            <a:off x="7063916" y="1685143"/>
+            <a:ext cx="3500439" cy="519505"/>
           </a:xfrm>
           <a:prstGeom prst="rect">
             <a:avLst/>
@@ -9454,10 +9419,10 @@
       </p:sp>
       <p:sp>
         <p:nvSpPr>
-          <p:cNvPr id="378" name="ZoneTexte 377">
-            <a:extLst>
-              <a:ext uri="{FF2B5EF4-FFF2-40B4-BE49-F238E27FC236}">
-                <a16:creationId xmlns:a16="http://schemas.microsoft.com/office/drawing/2014/main" id="{4EA63FAC-42E9-448E-BD04-0C09D3AA0C70}"/>
+          <p:cNvPr id="380" name="ZoneTexte 379">
+            <a:extLst>
+              <a:ext uri="{FF2B5EF4-FFF2-40B4-BE49-F238E27FC236}">
+                <a16:creationId xmlns:a16="http://schemas.microsoft.com/office/drawing/2014/main" id="{60BB4425-4AFE-4146-9C37-D9C323E4C172}"/>
               </a:ext>
             </a:extLst>
           </p:cNvPr>
@@ -9466,8 +9431,8 @@
         </p:nvSpPr>
         <p:spPr>
           <a:xfrm>
-            <a:off x="7071450" y="1506096"/>
-            <a:ext cx="3500439" cy="184666"/>
+            <a:off x="7069031" y="1685019"/>
+            <a:ext cx="3500439" cy="553998"/>
           </a:xfrm>
           <a:prstGeom prst="rect">
             <a:avLst/>
@@ -9482,17 +9447,92 @@
           <a:p>
             <a:r>
               <a:rPr lang="fr-FR" sz="600" dirty="0"/>
-              <a:t>Master</a:t>
-            </a:r>
-          </a:p>
-        </p:txBody>
-      </p:sp>
-      <p:sp>
-        <p:nvSpPr>
-          <p:cNvPr id="379" name="Rectangle 378">
-            <a:extLst>
-              <a:ext uri="{FF2B5EF4-FFF2-40B4-BE49-F238E27FC236}">
-                <a16:creationId xmlns:a16="http://schemas.microsoft.com/office/drawing/2014/main" id="{009B9918-953D-4EA7-8E3A-5FE390280112}"/>
+              <a:t>-</a:t>
+            </a:r>
+            <a:r>
+              <a:rPr lang="fr-FR" sz="600" dirty="0" err="1"/>
+              <a:t>name</a:t>
+            </a:r>
+            <a:r>
+              <a:rPr lang="fr-FR" sz="600" dirty="0"/>
+              <a:t>: string</a:t>
+            </a:r>
+            <a:br>
+              <a:rPr lang="fr-FR" sz="600" dirty="0"/>
+            </a:br>
+            <a:r>
+              <a:rPr lang="fr-FR" sz="600" dirty="0"/>
+              <a:t>-</a:t>
+            </a:r>
+            <a:r>
+              <a:rPr lang="fr-FR" sz="600" dirty="0" err="1"/>
+              <a:t>age</a:t>
+            </a:r>
+            <a:r>
+              <a:rPr lang="fr-FR" sz="600" dirty="0"/>
+              <a:t>: </a:t>
+            </a:r>
+            <a:r>
+              <a:rPr lang="fr-FR" sz="600" dirty="0" err="1"/>
+              <a:t>int</a:t>
+            </a:r>
+            <a:endParaRPr lang="fr-FR" sz="600" dirty="0"/>
+          </a:p>
+          <a:p>
+            <a:r>
+              <a:rPr lang="fr-FR" sz="600" dirty="0"/>
+              <a:t>-</a:t>
+            </a:r>
+            <a:r>
+              <a:rPr lang="fr-FR" sz="600" dirty="0" err="1"/>
+              <a:t>gender</a:t>
+            </a:r>
+            <a:r>
+              <a:rPr lang="fr-FR" sz="600" dirty="0"/>
+              <a:t>: </a:t>
+            </a:r>
+            <a:r>
+              <a:rPr lang="fr-FR" sz="600" dirty="0" err="1"/>
+              <a:t>enum</a:t>
+            </a:r>
+            <a:r>
+              <a:rPr lang="fr-FR" sz="600" dirty="0"/>
+              <a:t>(‘M’, ‘F’)</a:t>
+            </a:r>
+          </a:p>
+          <a:p>
+            <a:r>
+              <a:rPr lang="fr-FR" sz="600" dirty="0"/>
+              <a:t>-</a:t>
+            </a:r>
+            <a:r>
+              <a:rPr lang="fr-FR" sz="600" dirty="0" err="1"/>
+              <a:t>enclosureList</a:t>
+            </a:r>
+            <a:r>
+              <a:rPr lang="fr-FR" sz="600" dirty="0"/>
+              <a:t>: Enclosure[]</a:t>
+            </a:r>
+          </a:p>
+          <a:p>
+            <a:r>
+              <a:rPr lang="fr-FR" sz="600" dirty="0"/>
+              <a:t>-money: </a:t>
+            </a:r>
+            <a:r>
+              <a:rPr lang="fr-FR" sz="600" dirty="0" err="1"/>
+              <a:t>int</a:t>
+            </a:r>
+            <a:endParaRPr lang="fr-FR" sz="600" dirty="0"/>
+          </a:p>
+        </p:txBody>
+      </p:sp>
+      <p:sp>
+        <p:nvSpPr>
+          <p:cNvPr id="381" name="Rectangle 380">
+            <a:extLst>
+              <a:ext uri="{FF2B5EF4-FFF2-40B4-BE49-F238E27FC236}">
+                <a16:creationId xmlns:a16="http://schemas.microsoft.com/office/drawing/2014/main" id="{365BB759-5007-4F3B-8BC0-962597094290}"/>
               </a:ext>
             </a:extLst>
           </p:cNvPr>
@@ -9501,8 +9541,8 @@
         </p:nvSpPr>
         <p:spPr>
           <a:xfrm>
-            <a:off x="7063916" y="1685143"/>
-            <a:ext cx="3500439" cy="519505"/>
+            <a:off x="7064155" y="2202071"/>
+            <a:ext cx="3500439" cy="828684"/>
           </a:xfrm>
           <a:prstGeom prst="rect">
             <a:avLst/>
@@ -9541,12 +9581,56 @@
           </a:p>
         </p:txBody>
       </p:sp>
-      <p:sp>
-        <p:nvSpPr>
-          <p:cNvPr id="380" name="ZoneTexte 379">
-            <a:extLst>
-              <a:ext uri="{FF2B5EF4-FFF2-40B4-BE49-F238E27FC236}">
-                <a16:creationId xmlns:a16="http://schemas.microsoft.com/office/drawing/2014/main" id="{60BB4425-4AFE-4146-9C37-D9C323E4C172}"/>
+      <p:cxnSp>
+        <p:nvCxnSpPr>
+          <p:cNvPr id="383" name="Connecteur droit 382">
+            <a:extLst>
+              <a:ext uri="{FF2B5EF4-FFF2-40B4-BE49-F238E27FC236}">
+                <a16:creationId xmlns:a16="http://schemas.microsoft.com/office/drawing/2014/main" id="{C1984A7E-5850-492D-B215-383AE0F70ED3}"/>
+              </a:ext>
+            </a:extLst>
+          </p:cNvPr>
+          <p:cNvCxnSpPr>
+            <a:cxnSpLocks/>
+          </p:cNvCxnSpPr>
+          <p:nvPr/>
+        </p:nvCxnSpPr>
+        <p:spPr>
+          <a:xfrm flipV="1">
+            <a:off x="8800108" y="3173722"/>
+            <a:ext cx="19144" cy="1474424"/>
+          </a:xfrm>
+          <a:prstGeom prst="line">
+            <a:avLst/>
+          </a:prstGeom>
+          <a:ln w="12700">
+            <a:solidFill>
+              <a:schemeClr val="tx1"/>
+            </a:solidFill>
+            <a:prstDash val="solid"/>
+          </a:ln>
+        </p:spPr>
+        <p:style>
+          <a:lnRef idx="1">
+            <a:schemeClr val="accent1"/>
+          </a:lnRef>
+          <a:fillRef idx="0">
+            <a:schemeClr val="accent1"/>
+          </a:fillRef>
+          <a:effectRef idx="0">
+            <a:schemeClr val="accent1"/>
+          </a:effectRef>
+          <a:fontRef idx="minor">
+            <a:schemeClr val="tx1"/>
+          </a:fontRef>
+        </p:style>
+      </p:cxnSp>
+      <p:sp>
+        <p:nvSpPr>
+          <p:cNvPr id="387" name="ZoneTexte 386">
+            <a:extLst>
+              <a:ext uri="{FF2B5EF4-FFF2-40B4-BE49-F238E27FC236}">
+                <a16:creationId xmlns:a16="http://schemas.microsoft.com/office/drawing/2014/main" id="{74112EE1-7184-48E0-9176-FE074DB9753B}"/>
               </a:ext>
             </a:extLst>
           </p:cNvPr>
@@ -9555,8 +9639,8 @@
         </p:nvSpPr>
         <p:spPr>
           <a:xfrm>
-            <a:off x="7063677" y="1672044"/>
-            <a:ext cx="3500439" cy="553998"/>
+            <a:off x="7059888" y="2198489"/>
+            <a:ext cx="3500439" cy="923330"/>
           </a:xfrm>
           <a:prstGeom prst="rect">
             <a:avLst/>
@@ -9571,92 +9655,226 @@
           <a:p>
             <a:r>
               <a:rPr lang="fr-FR" sz="600" dirty="0"/>
-              <a:t>-</a:t>
-            </a:r>
-            <a:r>
-              <a:rPr lang="fr-FR" sz="600" dirty="0" err="1"/>
-              <a:t>name</a:t>
-            </a:r>
-            <a:r>
-              <a:rPr lang="fr-FR" sz="600" dirty="0"/>
-              <a:t>: string</a:t>
+              <a:t>+</a:t>
+            </a:r>
+            <a:r>
+              <a:rPr lang="fr-FR" sz="600" dirty="0" err="1"/>
+              <a:t>examinateEnclosure</a:t>
+            </a:r>
+            <a:r>
+              <a:rPr lang="fr-FR" sz="600" dirty="0"/>
+              <a:t>(enclosure: Enclosure): </a:t>
+            </a:r>
+            <a:r>
+              <a:rPr lang="fr-FR" sz="600" dirty="0" err="1"/>
+              <a:t>void</a:t>
+            </a:r>
+            <a:endParaRPr lang="fr-FR" sz="600" dirty="0"/>
+          </a:p>
+          <a:p>
+            <a:r>
+              <a:rPr lang="fr-FR" sz="600" dirty="0"/>
+              <a:t>+</a:t>
+            </a:r>
+            <a:r>
+              <a:rPr lang="fr-FR" sz="600" dirty="0" err="1"/>
+              <a:t>cleanEnclosure</a:t>
+            </a:r>
+            <a:r>
+              <a:rPr lang="fr-FR" sz="600" dirty="0"/>
+              <a:t>(enclosure: Enclosure): </a:t>
+            </a:r>
+            <a:r>
+              <a:rPr lang="fr-FR" sz="600" dirty="0" err="1"/>
+              <a:t>void</a:t>
+            </a:r>
+            <a:endParaRPr lang="fr-FR" sz="600" dirty="0"/>
+          </a:p>
+          <a:p>
+            <a:r>
+              <a:rPr lang="fr-FR" sz="600" dirty="0"/>
+              <a:t>+</a:t>
+            </a:r>
+            <a:r>
+              <a:rPr lang="fr-FR" sz="600" dirty="0" err="1"/>
+              <a:t>feedCreatureInEnclosure</a:t>
+            </a:r>
+            <a:r>
+              <a:rPr lang="fr-FR" sz="600" dirty="0"/>
+              <a:t>(enclosure: Enclosure): </a:t>
+            </a:r>
+            <a:r>
+              <a:rPr lang="fr-FR" sz="600" dirty="0" err="1"/>
+              <a:t>void</a:t>
+            </a:r>
+            <a:endParaRPr lang="fr-FR" sz="600" dirty="0"/>
+          </a:p>
+          <a:p>
+            <a:r>
+              <a:rPr lang="fr-FR" sz="600" dirty="0"/>
+              <a:t>+</a:t>
+            </a:r>
+            <a:r>
+              <a:rPr lang="fr-FR" sz="600" dirty="0" err="1"/>
+              <a:t>addCreatureInEnclosure</a:t>
+            </a:r>
+            <a:r>
+              <a:rPr lang="fr-FR" sz="600" dirty="0"/>
+              <a:t>(enclosure: Enclosure, </a:t>
+            </a:r>
+            <a:r>
+              <a:rPr lang="fr-FR" sz="600" dirty="0" err="1"/>
+              <a:t>creature</a:t>
+            </a:r>
+            <a:r>
+              <a:rPr lang="fr-FR" sz="600" dirty="0"/>
+              <a:t> </a:t>
+            </a:r>
+            <a:r>
+              <a:rPr lang="fr-FR" sz="600" dirty="0" err="1"/>
+              <a:t>Creature</a:t>
+            </a:r>
+            <a:r>
+              <a:rPr lang="fr-FR" sz="600" dirty="0"/>
+              <a:t>): </a:t>
+            </a:r>
+            <a:r>
+              <a:rPr lang="fr-FR" sz="600" dirty="0" err="1"/>
+              <a:t>void</a:t>
+            </a:r>
+            <a:endParaRPr lang="fr-FR" sz="600" dirty="0"/>
+          </a:p>
+          <a:p>
+            <a:r>
+              <a:rPr lang="fr-FR" sz="600" dirty="0"/>
+              <a:t>+</a:t>
+            </a:r>
+            <a:r>
+              <a:rPr lang="fr-FR" sz="600" dirty="0" err="1"/>
+              <a:t>sellCreatureInEnclosure</a:t>
+            </a:r>
+            <a:r>
+              <a:rPr lang="fr-FR" sz="600" dirty="0"/>
+              <a:t>(enclosure: Enclosure, </a:t>
+            </a:r>
+            <a:r>
+              <a:rPr lang="fr-FR" sz="600" dirty="0" err="1"/>
+              <a:t>creature</a:t>
+            </a:r>
+            <a:r>
+              <a:rPr lang="fr-FR" sz="600" dirty="0"/>
+              <a:t> </a:t>
+            </a:r>
+            <a:r>
+              <a:rPr lang="fr-FR" sz="600" dirty="0" err="1"/>
+              <a:t>Creature</a:t>
+            </a:r>
+            <a:r>
+              <a:rPr lang="fr-FR" sz="600" dirty="0"/>
+              <a:t>): </a:t>
+            </a:r>
+            <a:r>
+              <a:rPr lang="fr-FR" sz="600" dirty="0" err="1"/>
+              <a:t>void</a:t>
+            </a:r>
+            <a:endParaRPr lang="fr-FR" sz="600" dirty="0"/>
+          </a:p>
+          <a:p>
+            <a:r>
+              <a:rPr lang="fr-FR" sz="600" dirty="0"/>
+              <a:t>+</a:t>
+            </a:r>
+            <a:r>
+              <a:rPr lang="fr-FR" sz="600" dirty="0" err="1"/>
+              <a:t>moveAnimalFromEnclosure</a:t>
+            </a:r>
+            <a:r>
+              <a:rPr lang="fr-FR" sz="600" dirty="0"/>
+              <a:t>(</a:t>
+            </a:r>
+            <a:r>
+              <a:rPr lang="fr-FR" sz="600" dirty="0" err="1"/>
+              <a:t>creature</a:t>
+            </a:r>
+            <a:r>
+              <a:rPr lang="fr-FR" sz="600" dirty="0"/>
+              <a:t>: </a:t>
+            </a:r>
+            <a:r>
+              <a:rPr lang="fr-FR" sz="600" dirty="0" err="1"/>
+              <a:t>Creature</a:t>
+            </a:r>
+            <a:r>
+              <a:rPr lang="fr-FR" sz="600" dirty="0"/>
+              <a:t>, </a:t>
+            </a:r>
+            <a:r>
+              <a:rPr lang="fr-FR" sz="600" dirty="0" err="1"/>
+              <a:t>startingEnclosure</a:t>
+            </a:r>
+            <a:r>
+              <a:rPr lang="fr-FR" sz="600" dirty="0"/>
+              <a:t>: Enclosure, </a:t>
+            </a:r>
+            <a:r>
+              <a:rPr lang="fr-FR" sz="600" dirty="0" err="1"/>
+              <a:t>arrivalEnclosure</a:t>
+            </a:r>
+            <a:r>
+              <a:rPr lang="fr-FR" sz="600" dirty="0"/>
+              <a:t>: Enclosure)</a:t>
             </a:r>
             <a:br>
               <a:rPr lang="fr-FR" sz="600" dirty="0"/>
             </a:br>
             <a:r>
               <a:rPr lang="fr-FR" sz="600" dirty="0"/>
-              <a:t>-</a:t>
-            </a:r>
-            <a:r>
-              <a:rPr lang="fr-FR" sz="600" dirty="0" err="1"/>
-              <a:t>age</a:t>
-            </a:r>
-            <a:r>
-              <a:rPr lang="fr-FR" sz="600" dirty="0"/>
-              <a:t>: </a:t>
-            </a:r>
-            <a:r>
-              <a:rPr lang="fr-FR" sz="600" dirty="0" err="1"/>
-              <a:t>int</a:t>
+              <a:t>+</a:t>
+            </a:r>
+            <a:r>
+              <a:rPr lang="fr-FR" sz="600" dirty="0" err="1"/>
+              <a:t>addEnclosure</a:t>
+            </a:r>
+            <a:r>
+              <a:rPr lang="fr-FR" sz="600" dirty="0"/>
+              <a:t>(enclosure: Enclosure): </a:t>
+            </a:r>
+            <a:r>
+              <a:rPr lang="fr-FR" sz="600" dirty="0" err="1"/>
+              <a:t>void</a:t>
             </a:r>
             <a:endParaRPr lang="fr-FR" sz="600" dirty="0"/>
           </a:p>
           <a:p>
             <a:r>
               <a:rPr lang="fr-FR" sz="600" dirty="0"/>
-              <a:t>-</a:t>
-            </a:r>
-            <a:r>
-              <a:rPr lang="fr-FR" sz="600" dirty="0" err="1"/>
-              <a:t>gender</a:t>
-            </a:r>
-            <a:r>
-              <a:rPr lang="fr-FR" sz="600" dirty="0"/>
-              <a:t>: </a:t>
-            </a:r>
-            <a:r>
-              <a:rPr lang="fr-FR" sz="600" dirty="0" err="1"/>
-              <a:t>enum</a:t>
-            </a:r>
-            <a:r>
-              <a:rPr lang="fr-FR" sz="600" dirty="0"/>
-              <a:t>(‘M’, ‘F’)</a:t>
-            </a:r>
-          </a:p>
-          <a:p>
-            <a:r>
-              <a:rPr lang="fr-FR" sz="600" dirty="0"/>
-              <a:t>-</a:t>
-            </a:r>
-            <a:r>
-              <a:rPr lang="fr-FR" sz="600" dirty="0" err="1"/>
-              <a:t>enclosureList</a:t>
-            </a:r>
-            <a:r>
-              <a:rPr lang="fr-FR" sz="600" dirty="0"/>
-              <a:t>: Enclosure[]</a:t>
-            </a:r>
-          </a:p>
-          <a:p>
-            <a:r>
-              <a:rPr lang="fr-FR" sz="600" dirty="0"/>
-              <a:t>-money: </a:t>
-            </a:r>
-            <a:r>
-              <a:rPr lang="fr-FR" sz="600" dirty="0" err="1"/>
-              <a:t>int</a:t>
+              <a:t>+</a:t>
+            </a:r>
+            <a:r>
+              <a:rPr lang="fr-FR" sz="600" dirty="0" err="1"/>
+              <a:t>sellEnclosure</a:t>
+            </a:r>
+            <a:r>
+              <a:rPr lang="fr-FR" sz="600" dirty="0"/>
+              <a:t>(enclosure: Enclosure): </a:t>
+            </a:r>
+            <a:r>
+              <a:rPr lang="fr-FR" sz="600" dirty="0" err="1"/>
+              <a:t>void</a:t>
             </a:r>
             <a:endParaRPr lang="fr-FR" sz="600" dirty="0"/>
           </a:p>
-        </p:txBody>
-      </p:sp>
-      <p:sp>
-        <p:nvSpPr>
-          <p:cNvPr id="381" name="Rectangle 380">
-            <a:extLst>
-              <a:ext uri="{FF2B5EF4-FFF2-40B4-BE49-F238E27FC236}">
-                <a16:creationId xmlns:a16="http://schemas.microsoft.com/office/drawing/2014/main" id="{365BB759-5007-4F3B-8BC0-962597094290}"/>
+          <a:p>
+            <a:endParaRPr lang="fr-FR" sz="600" dirty="0"/>
+          </a:p>
+        </p:txBody>
+      </p:sp>
+      <p:sp>
+        <p:nvSpPr>
+          <p:cNvPr id="133" name="Rectangle 132">
+            <a:extLst>
+              <a:ext uri="{FF2B5EF4-FFF2-40B4-BE49-F238E27FC236}">
+                <a16:creationId xmlns:a16="http://schemas.microsoft.com/office/drawing/2014/main" id="{9F9CB4BF-AAD3-415F-8021-28C36FDDC68E}"/>
               </a:ext>
             </a:extLst>
           </p:cNvPr>
@@ -9665,8 +9883,8 @@
         </p:nvSpPr>
         <p:spPr>
           <a:xfrm>
-            <a:off x="7064155" y="2202071"/>
-            <a:ext cx="3500439" cy="828684"/>
+            <a:off x="213039" y="736763"/>
+            <a:ext cx="686487" cy="318695"/>
           </a:xfrm>
           <a:prstGeom prst="rect">
             <a:avLst/>
@@ -9705,56 +9923,12 @@
           </a:p>
         </p:txBody>
       </p:sp>
-      <p:cxnSp>
-        <p:nvCxnSpPr>
-          <p:cNvPr id="383" name="Connecteur droit 382">
-            <a:extLst>
-              <a:ext uri="{FF2B5EF4-FFF2-40B4-BE49-F238E27FC236}">
-                <a16:creationId xmlns:a16="http://schemas.microsoft.com/office/drawing/2014/main" id="{C1984A7E-5850-492D-B215-383AE0F70ED3}"/>
-              </a:ext>
-            </a:extLst>
-          </p:cNvPr>
-          <p:cNvCxnSpPr>
-            <a:cxnSpLocks/>
-          </p:cNvCxnSpPr>
-          <p:nvPr/>
-        </p:nvCxnSpPr>
-        <p:spPr>
-          <a:xfrm flipV="1">
-            <a:off x="8800108" y="3173722"/>
-            <a:ext cx="19144" cy="1474424"/>
-          </a:xfrm>
-          <a:prstGeom prst="line">
-            <a:avLst/>
-          </a:prstGeom>
-          <a:ln w="12700">
-            <a:solidFill>
-              <a:schemeClr val="tx1"/>
-            </a:solidFill>
-            <a:prstDash val="solid"/>
-          </a:ln>
-        </p:spPr>
-        <p:style>
-          <a:lnRef idx="1">
-            <a:schemeClr val="accent1"/>
-          </a:lnRef>
-          <a:fillRef idx="0">
-            <a:schemeClr val="accent1"/>
-          </a:fillRef>
-          <a:effectRef idx="0">
-            <a:schemeClr val="accent1"/>
-          </a:effectRef>
-          <a:fontRef idx="minor">
-            <a:schemeClr val="tx1"/>
-          </a:fontRef>
-        </p:style>
-      </p:cxnSp>
-      <p:sp>
-        <p:nvSpPr>
-          <p:cNvPr id="387" name="ZoneTexte 386">
-            <a:extLst>
-              <a:ext uri="{FF2B5EF4-FFF2-40B4-BE49-F238E27FC236}">
-                <a16:creationId xmlns:a16="http://schemas.microsoft.com/office/drawing/2014/main" id="{74112EE1-7184-48E0-9176-FE074DB9753B}"/>
+      <p:sp>
+        <p:nvSpPr>
+          <p:cNvPr id="134" name="ZoneTexte 133">
+            <a:extLst>
+              <a:ext uri="{FF2B5EF4-FFF2-40B4-BE49-F238E27FC236}">
+                <a16:creationId xmlns:a16="http://schemas.microsoft.com/office/drawing/2014/main" id="{476B5861-63DD-4F37-964C-AEFD60AA6A1D}"/>
               </a:ext>
             </a:extLst>
           </p:cNvPr>
@@ -9763,8 +9937,8 @@
         </p:nvSpPr>
         <p:spPr>
           <a:xfrm>
-            <a:off x="7059888" y="2198489"/>
-            <a:ext cx="3500439" cy="923330"/>
+            <a:off x="221404" y="761407"/>
+            <a:ext cx="686496" cy="276999"/>
           </a:xfrm>
           <a:prstGeom prst="rect">
             <a:avLst/>
@@ -9779,226 +9953,23 @@
           <a:p>
             <a:r>
               <a:rPr lang="fr-FR" sz="600" dirty="0"/>
-              <a:t>+</a:t>
-            </a:r>
-            <a:r>
-              <a:rPr lang="fr-FR" sz="600" dirty="0" err="1"/>
-              <a:t>examinateEnclosure</a:t>
-            </a:r>
-            <a:r>
-              <a:rPr lang="fr-FR" sz="600" dirty="0"/>
-              <a:t>(enclosure: Enclosure): </a:t>
-            </a:r>
-            <a:r>
-              <a:rPr lang="fr-FR" sz="600" dirty="0" err="1"/>
-              <a:t>void</a:t>
-            </a:r>
-            <a:endParaRPr lang="fr-FR" sz="600" dirty="0"/>
-          </a:p>
-          <a:p>
-            <a:r>
-              <a:rPr lang="fr-FR" sz="600" dirty="0"/>
-              <a:t>+</a:t>
-            </a:r>
-            <a:r>
-              <a:rPr lang="fr-FR" sz="600" dirty="0" err="1"/>
-              <a:t>cleanEnclosure</a:t>
-            </a:r>
-            <a:r>
-              <a:rPr lang="fr-FR" sz="600" dirty="0"/>
-              <a:t>(enclosure: Enclosure): </a:t>
-            </a:r>
-            <a:r>
-              <a:rPr lang="fr-FR" sz="600" dirty="0" err="1"/>
-              <a:t>void</a:t>
-            </a:r>
-            <a:endParaRPr lang="fr-FR" sz="600" dirty="0"/>
-          </a:p>
-          <a:p>
-            <a:r>
-              <a:rPr lang="fr-FR" sz="600" dirty="0"/>
-              <a:t>+</a:t>
-            </a:r>
-            <a:r>
-              <a:rPr lang="fr-FR" sz="600" dirty="0" err="1"/>
-              <a:t>feedCreatureInEnclosure</a:t>
-            </a:r>
-            <a:r>
-              <a:rPr lang="fr-FR" sz="600" dirty="0"/>
-              <a:t>(enclosure: Enclosure): </a:t>
-            </a:r>
-            <a:r>
-              <a:rPr lang="fr-FR" sz="600" dirty="0" err="1"/>
-              <a:t>void</a:t>
-            </a:r>
-            <a:endParaRPr lang="fr-FR" sz="600" dirty="0"/>
-          </a:p>
-          <a:p>
-            <a:r>
-              <a:rPr lang="fr-FR" sz="600" dirty="0"/>
-              <a:t>+</a:t>
-            </a:r>
-            <a:r>
-              <a:rPr lang="fr-FR" sz="600" dirty="0" err="1"/>
-              <a:t>addCreatureInEnclosure</a:t>
-            </a:r>
-            <a:r>
-              <a:rPr lang="fr-FR" sz="600" dirty="0"/>
-              <a:t>(enclosure: Enclosure, </a:t>
-            </a:r>
-            <a:r>
-              <a:rPr lang="fr-FR" sz="600" dirty="0" err="1"/>
-              <a:t>creature</a:t>
-            </a:r>
-            <a:r>
-              <a:rPr lang="fr-FR" sz="600" dirty="0"/>
-              <a:t> </a:t>
-            </a:r>
-            <a:r>
-              <a:rPr lang="fr-FR" sz="600" dirty="0" err="1"/>
-              <a:t>Creature</a:t>
-            </a:r>
-            <a:r>
-              <a:rPr lang="fr-FR" sz="600" dirty="0"/>
-              <a:t>): </a:t>
-            </a:r>
-            <a:r>
-              <a:rPr lang="fr-FR" sz="600" dirty="0" err="1"/>
-              <a:t>void</a:t>
-            </a:r>
-            <a:endParaRPr lang="fr-FR" sz="600" dirty="0"/>
-          </a:p>
-          <a:p>
-            <a:r>
-              <a:rPr lang="fr-FR" sz="600" dirty="0"/>
-              <a:t>+</a:t>
-            </a:r>
-            <a:r>
-              <a:rPr lang="fr-FR" sz="600" dirty="0" err="1"/>
-              <a:t>sellCreatureInEnclosure</a:t>
-            </a:r>
-            <a:r>
-              <a:rPr lang="fr-FR" sz="600" dirty="0"/>
-              <a:t>(enclosure: Enclosure, </a:t>
-            </a:r>
-            <a:r>
-              <a:rPr lang="fr-FR" sz="600" dirty="0" err="1"/>
-              <a:t>creature</a:t>
-            </a:r>
-            <a:r>
-              <a:rPr lang="fr-FR" sz="600" dirty="0"/>
-              <a:t> </a:t>
-            </a:r>
-            <a:r>
-              <a:rPr lang="fr-FR" sz="600" dirty="0" err="1"/>
-              <a:t>Creature</a:t>
-            </a:r>
-            <a:r>
-              <a:rPr lang="fr-FR" sz="600" dirty="0"/>
-              <a:t>): </a:t>
-            </a:r>
-            <a:r>
-              <a:rPr lang="fr-FR" sz="600" dirty="0" err="1"/>
-              <a:t>void</a:t>
-            </a:r>
-            <a:endParaRPr lang="fr-FR" sz="600" dirty="0"/>
-          </a:p>
-          <a:p>
-            <a:r>
-              <a:rPr lang="fr-FR" sz="600" dirty="0"/>
-              <a:t>+</a:t>
-            </a:r>
-            <a:r>
-              <a:rPr lang="fr-FR" sz="600" dirty="0" err="1"/>
-              <a:t>moveAnimalFromEnclosure</a:t>
-            </a:r>
-            <a:r>
-              <a:rPr lang="fr-FR" sz="600" dirty="0"/>
-              <a:t>(</a:t>
-            </a:r>
-            <a:r>
-              <a:rPr lang="fr-FR" sz="600" dirty="0" err="1"/>
-              <a:t>creature</a:t>
-            </a:r>
-            <a:r>
-              <a:rPr lang="fr-FR" sz="600" dirty="0"/>
-              <a:t>: </a:t>
-            </a:r>
-            <a:r>
-              <a:rPr lang="fr-FR" sz="600" dirty="0" err="1"/>
-              <a:t>Creature</a:t>
-            </a:r>
-            <a:r>
-              <a:rPr lang="fr-FR" sz="600" dirty="0"/>
-              <a:t>, </a:t>
-            </a:r>
-            <a:r>
-              <a:rPr lang="fr-FR" sz="600" dirty="0" err="1"/>
-              <a:t>startingEnclosure</a:t>
-            </a:r>
-            <a:r>
-              <a:rPr lang="fr-FR" sz="600" dirty="0"/>
-              <a:t>: Enclosure, </a:t>
-            </a:r>
-            <a:r>
-              <a:rPr lang="fr-FR" sz="600" dirty="0" err="1"/>
-              <a:t>arrivalEnclosure</a:t>
-            </a:r>
-            <a:r>
-              <a:rPr lang="fr-FR" sz="600" dirty="0"/>
-              <a:t>: Enclosure)</a:t>
-            </a:r>
-            <a:br>
-              <a:rPr lang="fr-FR" sz="600" dirty="0"/>
-            </a:br>
-            <a:r>
-              <a:rPr lang="fr-FR" sz="600" dirty="0"/>
-              <a:t>+</a:t>
-            </a:r>
-            <a:r>
-              <a:rPr lang="fr-FR" sz="600" dirty="0" err="1"/>
-              <a:t>addEnclosure</a:t>
-            </a:r>
-            <a:r>
-              <a:rPr lang="fr-FR" sz="600" dirty="0"/>
-              <a:t>(enclosure: Enclosure): </a:t>
-            </a:r>
-            <a:r>
-              <a:rPr lang="fr-FR" sz="600" dirty="0" err="1"/>
-              <a:t>void</a:t>
-            </a:r>
-            <a:endParaRPr lang="fr-FR" sz="600" dirty="0"/>
-          </a:p>
-          <a:p>
-            <a:r>
-              <a:rPr lang="fr-FR" sz="600" dirty="0"/>
-              <a:t>+</a:t>
-            </a:r>
-            <a:r>
-              <a:rPr lang="fr-FR" sz="600" dirty="0" err="1"/>
-              <a:t>sellEnclosure</a:t>
-            </a:r>
-            <a:r>
-              <a:rPr lang="fr-FR" sz="600" dirty="0"/>
-              <a:t>(enclosure: Enclosure): </a:t>
-            </a:r>
-            <a:r>
-              <a:rPr lang="fr-FR" sz="600" dirty="0" err="1"/>
-              <a:t>void</a:t>
-            </a:r>
-            <a:endParaRPr lang="fr-FR" sz="600" dirty="0"/>
-          </a:p>
-          <a:p>
-            <a:endParaRPr lang="fr-FR" sz="600" dirty="0"/>
-          </a:p>
-        </p:txBody>
-      </p:sp>
-      <p:sp>
-        <p:nvSpPr>
-          <p:cNvPr id="133" name="Rectangle 132">
-            <a:extLst>
-              <a:ext uri="{FF2B5EF4-FFF2-40B4-BE49-F238E27FC236}">
-                <a16:creationId xmlns:a16="http://schemas.microsoft.com/office/drawing/2014/main" id="{9F9CB4BF-AAD3-415F-8021-28C36FDDC68E}"/>
+              <a:t>&lt;&lt;interface&gt;&gt;</a:t>
+            </a:r>
+          </a:p>
+          <a:p>
+            <a:r>
+              <a:rPr lang="fr-FR" sz="600" dirty="0"/>
+              <a:t>Running</a:t>
+            </a:r>
+          </a:p>
+        </p:txBody>
+      </p:sp>
+      <p:sp>
+        <p:nvSpPr>
+          <p:cNvPr id="135" name="Rectangle 134">
+            <a:extLst>
+              <a:ext uri="{FF2B5EF4-FFF2-40B4-BE49-F238E27FC236}">
+                <a16:creationId xmlns:a16="http://schemas.microsoft.com/office/drawing/2014/main" id="{B99714B2-ACC1-451B-97F8-B5D6F76490C6}"/>
               </a:ext>
             </a:extLst>
           </p:cNvPr>
@@ -10007,8 +9978,8 @@
         </p:nvSpPr>
         <p:spPr>
           <a:xfrm>
-            <a:off x="213039" y="736763"/>
-            <a:ext cx="686487" cy="318695"/>
+            <a:off x="213026" y="1055582"/>
+            <a:ext cx="686496" cy="72916"/>
           </a:xfrm>
           <a:prstGeom prst="rect">
             <a:avLst/>
@@ -10049,51 +10020,10 @@
       </p:sp>
       <p:sp>
         <p:nvSpPr>
-          <p:cNvPr id="134" name="ZoneTexte 133">
-            <a:extLst>
-              <a:ext uri="{FF2B5EF4-FFF2-40B4-BE49-F238E27FC236}">
-                <a16:creationId xmlns:a16="http://schemas.microsoft.com/office/drawing/2014/main" id="{476B5861-63DD-4F37-964C-AEFD60AA6A1D}"/>
-              </a:ext>
-            </a:extLst>
-          </p:cNvPr>
-          <p:cNvSpPr txBox="1"/>
-          <p:nvPr/>
-        </p:nvSpPr>
-        <p:spPr>
-          <a:xfrm>
-            <a:off x="221404" y="761407"/>
-            <a:ext cx="686496" cy="276999"/>
-          </a:xfrm>
-          <a:prstGeom prst="rect">
-            <a:avLst/>
-          </a:prstGeom>
-          <a:noFill/>
-        </p:spPr>
-        <p:txBody>
-          <a:bodyPr wrap="square" rtlCol="0">
-            <a:spAutoFit/>
-          </a:bodyPr>
-          <a:lstStyle/>
-          <a:p>
-            <a:r>
-              <a:rPr lang="fr-FR" sz="600" dirty="0"/>
-              <a:t>&lt;&lt;interface&gt;&gt;</a:t>
-            </a:r>
-          </a:p>
-          <a:p>
-            <a:r>
-              <a:rPr lang="fr-FR" sz="600" dirty="0"/>
-              <a:t>Running</a:t>
-            </a:r>
-          </a:p>
-        </p:txBody>
-      </p:sp>
-      <p:sp>
-        <p:nvSpPr>
-          <p:cNvPr id="135" name="Rectangle 134">
-            <a:extLst>
-              <a:ext uri="{FF2B5EF4-FFF2-40B4-BE49-F238E27FC236}">
-                <a16:creationId xmlns:a16="http://schemas.microsoft.com/office/drawing/2014/main" id="{B99714B2-ACC1-451B-97F8-B5D6F76490C6}"/>
+          <p:cNvPr id="136" name="Rectangle 135">
+            <a:extLst>
+              <a:ext uri="{FF2B5EF4-FFF2-40B4-BE49-F238E27FC236}">
+                <a16:creationId xmlns:a16="http://schemas.microsoft.com/office/drawing/2014/main" id="{76FEC9F4-1ACF-45E4-8424-A45886D14748}"/>
               </a:ext>
             </a:extLst>
           </p:cNvPr>
@@ -10102,8 +10032,8 @@
         </p:nvSpPr>
         <p:spPr>
           <a:xfrm>
-            <a:off x="213026" y="1055582"/>
-            <a:ext cx="686496" cy="72916"/>
+            <a:off x="213026" y="1128498"/>
+            <a:ext cx="686496" cy="210446"/>
           </a:xfrm>
           <a:prstGeom prst="rect">
             <a:avLst/>
@@ -10144,10 +10074,50 @@
       </p:sp>
       <p:sp>
         <p:nvSpPr>
-          <p:cNvPr id="136" name="Rectangle 135">
-            <a:extLst>
-              <a:ext uri="{FF2B5EF4-FFF2-40B4-BE49-F238E27FC236}">
-                <a16:creationId xmlns:a16="http://schemas.microsoft.com/office/drawing/2014/main" id="{76FEC9F4-1ACF-45E4-8424-A45886D14748}"/>
+          <p:cNvPr id="137" name="ZoneTexte 136">
+            <a:extLst>
+              <a:ext uri="{FF2B5EF4-FFF2-40B4-BE49-F238E27FC236}">
+                <a16:creationId xmlns:a16="http://schemas.microsoft.com/office/drawing/2014/main" id="{0B1DAF4C-EA39-460F-9B7F-852AF093F83F}"/>
+              </a:ext>
+            </a:extLst>
+          </p:cNvPr>
+          <p:cNvSpPr txBox="1"/>
+          <p:nvPr/>
+        </p:nvSpPr>
+        <p:spPr>
+          <a:xfrm>
+            <a:off x="211934" y="1124997"/>
+            <a:ext cx="686496" cy="184666"/>
+          </a:xfrm>
+          <a:prstGeom prst="rect">
+            <a:avLst/>
+          </a:prstGeom>
+          <a:noFill/>
+        </p:spPr>
+        <p:txBody>
+          <a:bodyPr wrap="square" rtlCol="0">
+            <a:spAutoFit/>
+          </a:bodyPr>
+          <a:lstStyle/>
+          <a:p>
+            <a:r>
+              <a:rPr lang="fr-FR" sz="600" dirty="0"/>
+              <a:t>+run(): </a:t>
+            </a:r>
+            <a:r>
+              <a:rPr lang="fr-FR" sz="600" dirty="0" err="1"/>
+              <a:t>void</a:t>
+            </a:r>
+            <a:endParaRPr lang="fr-FR" sz="600" dirty="0"/>
+          </a:p>
+        </p:txBody>
+      </p:sp>
+      <p:sp>
+        <p:nvSpPr>
+          <p:cNvPr id="138" name="Rectangle 137">
+            <a:extLst>
+              <a:ext uri="{FF2B5EF4-FFF2-40B4-BE49-F238E27FC236}">
+                <a16:creationId xmlns:a16="http://schemas.microsoft.com/office/drawing/2014/main" id="{EBC79D53-8589-4361-87FE-BA4964909857}"/>
               </a:ext>
             </a:extLst>
           </p:cNvPr>
@@ -10156,8 +10126,8 @@
         </p:nvSpPr>
         <p:spPr>
           <a:xfrm>
-            <a:off x="213026" y="1128498"/>
-            <a:ext cx="686496" cy="210446"/>
+            <a:off x="217316" y="1426826"/>
+            <a:ext cx="686487" cy="318695"/>
           </a:xfrm>
           <a:prstGeom prst="rect">
             <a:avLst/>
@@ -10198,10 +10168,10 @@
       </p:sp>
       <p:sp>
         <p:nvSpPr>
-          <p:cNvPr id="137" name="ZoneTexte 136">
-            <a:extLst>
-              <a:ext uri="{FF2B5EF4-FFF2-40B4-BE49-F238E27FC236}">
-                <a16:creationId xmlns:a16="http://schemas.microsoft.com/office/drawing/2014/main" id="{0B1DAF4C-EA39-460F-9B7F-852AF093F83F}"/>
+          <p:cNvPr id="139" name="ZoneTexte 138">
+            <a:extLst>
+              <a:ext uri="{FF2B5EF4-FFF2-40B4-BE49-F238E27FC236}">
+                <a16:creationId xmlns:a16="http://schemas.microsoft.com/office/drawing/2014/main" id="{4C5C5551-4B6E-4F09-8AE9-A8F1B53312C7}"/>
               </a:ext>
             </a:extLst>
           </p:cNvPr>
@@ -10210,8 +10180,8 @@
         </p:nvSpPr>
         <p:spPr>
           <a:xfrm>
-            <a:off x="211934" y="1124997"/>
-            <a:ext cx="686496" cy="184666"/>
+            <a:off x="225681" y="1451470"/>
+            <a:ext cx="686496" cy="276999"/>
           </a:xfrm>
           <a:prstGeom prst="rect">
             <a:avLst/>
@@ -10226,11 +10196,13 @@
           <a:p>
             <a:r>
               <a:rPr lang="fr-FR" sz="600" dirty="0"/>
-              <a:t>+run(): </a:t>
-            </a:r>
-            <a:r>
-              <a:rPr lang="fr-FR" sz="600" dirty="0" err="1"/>
-              <a:t>void</a:t>
+              <a:t>&lt;&lt;interface&gt;&gt;</a:t>
+            </a:r>
+          </a:p>
+          <a:p>
+            <a:r>
+              <a:rPr lang="fr-FR" sz="600" dirty="0" err="1"/>
+              <a:t>Swimming</a:t>
             </a:r>
             <a:endParaRPr lang="fr-FR" sz="600" dirty="0"/>
           </a:p>
@@ -10238,10 +10210,10 @@
       </p:sp>
       <p:sp>
         <p:nvSpPr>
-          <p:cNvPr id="138" name="Rectangle 137">
-            <a:extLst>
-              <a:ext uri="{FF2B5EF4-FFF2-40B4-BE49-F238E27FC236}">
-                <a16:creationId xmlns:a16="http://schemas.microsoft.com/office/drawing/2014/main" id="{EBC79D53-8589-4361-87FE-BA4964909857}"/>
+          <p:cNvPr id="140" name="Rectangle 139">
+            <a:extLst>
+              <a:ext uri="{FF2B5EF4-FFF2-40B4-BE49-F238E27FC236}">
+                <a16:creationId xmlns:a16="http://schemas.microsoft.com/office/drawing/2014/main" id="{F17BDB3F-7DD3-4306-BB09-FA0FECCA9DBE}"/>
               </a:ext>
             </a:extLst>
           </p:cNvPr>
@@ -10250,8 +10222,8 @@
         </p:nvSpPr>
         <p:spPr>
           <a:xfrm>
-            <a:off x="217316" y="1426826"/>
-            <a:ext cx="686487" cy="318695"/>
+            <a:off x="217303" y="1745645"/>
+            <a:ext cx="686496" cy="72916"/>
           </a:xfrm>
           <a:prstGeom prst="rect">
             <a:avLst/>
@@ -10292,52 +10264,10 @@
       </p:sp>
       <p:sp>
         <p:nvSpPr>
-          <p:cNvPr id="139" name="ZoneTexte 138">
-            <a:extLst>
-              <a:ext uri="{FF2B5EF4-FFF2-40B4-BE49-F238E27FC236}">
-                <a16:creationId xmlns:a16="http://schemas.microsoft.com/office/drawing/2014/main" id="{4C5C5551-4B6E-4F09-8AE9-A8F1B53312C7}"/>
-              </a:ext>
-            </a:extLst>
-          </p:cNvPr>
-          <p:cNvSpPr txBox="1"/>
-          <p:nvPr/>
-        </p:nvSpPr>
-        <p:spPr>
-          <a:xfrm>
-            <a:off x="225681" y="1451470"/>
-            <a:ext cx="686496" cy="276999"/>
-          </a:xfrm>
-          <a:prstGeom prst="rect">
-            <a:avLst/>
-          </a:prstGeom>
-          <a:noFill/>
-        </p:spPr>
-        <p:txBody>
-          <a:bodyPr wrap="square" rtlCol="0">
-            <a:spAutoFit/>
-          </a:bodyPr>
-          <a:lstStyle/>
-          <a:p>
-            <a:r>
-              <a:rPr lang="fr-FR" sz="600" dirty="0"/>
-              <a:t>&lt;&lt;interface&gt;&gt;</a:t>
-            </a:r>
-          </a:p>
-          <a:p>
-            <a:r>
-              <a:rPr lang="fr-FR" sz="600" dirty="0" err="1"/>
-              <a:t>Swimming</a:t>
-            </a:r>
-            <a:endParaRPr lang="fr-FR" sz="600" dirty="0"/>
-          </a:p>
-        </p:txBody>
-      </p:sp>
-      <p:sp>
-        <p:nvSpPr>
-          <p:cNvPr id="140" name="Rectangle 139">
-            <a:extLst>
-              <a:ext uri="{FF2B5EF4-FFF2-40B4-BE49-F238E27FC236}">
-                <a16:creationId xmlns:a16="http://schemas.microsoft.com/office/drawing/2014/main" id="{F17BDB3F-7DD3-4306-BB09-FA0FECCA9DBE}"/>
+          <p:cNvPr id="141" name="Rectangle 140">
+            <a:extLst>
+              <a:ext uri="{FF2B5EF4-FFF2-40B4-BE49-F238E27FC236}">
+                <a16:creationId xmlns:a16="http://schemas.microsoft.com/office/drawing/2014/main" id="{5E19CC74-97B8-4AEB-994C-3F40D2E9B446}"/>
               </a:ext>
             </a:extLst>
           </p:cNvPr>
@@ -10346,8 +10276,8 @@
         </p:nvSpPr>
         <p:spPr>
           <a:xfrm>
-            <a:off x="217303" y="1745645"/>
-            <a:ext cx="686496" cy="72916"/>
+            <a:off x="217303" y="1818561"/>
+            <a:ext cx="686496" cy="210446"/>
           </a:xfrm>
           <a:prstGeom prst="rect">
             <a:avLst/>
@@ -10388,10 +10318,58 @@
       </p:sp>
       <p:sp>
         <p:nvSpPr>
-          <p:cNvPr id="141" name="Rectangle 140">
-            <a:extLst>
-              <a:ext uri="{FF2B5EF4-FFF2-40B4-BE49-F238E27FC236}">
-                <a16:creationId xmlns:a16="http://schemas.microsoft.com/office/drawing/2014/main" id="{5E19CC74-97B8-4AEB-994C-3F40D2E9B446}"/>
+          <p:cNvPr id="142" name="ZoneTexte 141">
+            <a:extLst>
+              <a:ext uri="{FF2B5EF4-FFF2-40B4-BE49-F238E27FC236}">
+                <a16:creationId xmlns:a16="http://schemas.microsoft.com/office/drawing/2014/main" id="{ABD49811-91F5-441B-B8DC-23E3AA678A8E}"/>
+              </a:ext>
+            </a:extLst>
+          </p:cNvPr>
+          <p:cNvSpPr txBox="1"/>
+          <p:nvPr/>
+        </p:nvSpPr>
+        <p:spPr>
+          <a:xfrm>
+            <a:off x="216211" y="1815060"/>
+            <a:ext cx="686496" cy="184666"/>
+          </a:xfrm>
+          <a:prstGeom prst="rect">
+            <a:avLst/>
+          </a:prstGeom>
+          <a:noFill/>
+        </p:spPr>
+        <p:txBody>
+          <a:bodyPr wrap="square" rtlCol="0">
+            <a:spAutoFit/>
+          </a:bodyPr>
+          <a:lstStyle/>
+          <a:p>
+            <a:r>
+              <a:rPr lang="fr-FR" sz="600" dirty="0"/>
+              <a:t>+</a:t>
+            </a:r>
+            <a:r>
+              <a:rPr lang="fr-FR" sz="600" dirty="0" err="1"/>
+              <a:t>swim</a:t>
+            </a:r>
+            <a:r>
+              <a:rPr lang="fr-FR" sz="600" dirty="0"/>
+              <a:t>(): </a:t>
+            </a:r>
+            <a:r>
+              <a:rPr lang="fr-FR" sz="600" dirty="0" err="1"/>
+              <a:t>void</a:t>
+            </a:r>
+            <a:endParaRPr lang="fr-FR" sz="600" dirty="0"/>
+          </a:p>
+        </p:txBody>
+      </p:sp>
+      <p:sp>
+        <p:nvSpPr>
+          <p:cNvPr id="143" name="Rectangle 142">
+            <a:extLst>
+              <a:ext uri="{FF2B5EF4-FFF2-40B4-BE49-F238E27FC236}">
+                <a16:creationId xmlns:a16="http://schemas.microsoft.com/office/drawing/2014/main" id="{34E650A4-0F02-4832-BBEE-7320A4178229}"/>
               </a:ext>
             </a:extLst>
           </p:cNvPr>
@@ -10400,8 +10378,8 @@
         </p:nvSpPr>
         <p:spPr>
           <a:xfrm>
-            <a:off x="217303" y="1818561"/>
-            <a:ext cx="686496" cy="210446"/>
+            <a:off x="216081" y="2093466"/>
+            <a:ext cx="686487" cy="318695"/>
           </a:xfrm>
           <a:prstGeom prst="rect">
             <a:avLst/>
@@ -10442,10 +10420,10 @@
       </p:sp>
       <p:sp>
         <p:nvSpPr>
-          <p:cNvPr id="142" name="ZoneTexte 141">
-            <a:extLst>
-              <a:ext uri="{FF2B5EF4-FFF2-40B4-BE49-F238E27FC236}">
-                <a16:creationId xmlns:a16="http://schemas.microsoft.com/office/drawing/2014/main" id="{ABD49811-91F5-441B-B8DC-23E3AA678A8E}"/>
+          <p:cNvPr id="144" name="ZoneTexte 143">
+            <a:extLst>
+              <a:ext uri="{FF2B5EF4-FFF2-40B4-BE49-F238E27FC236}">
+                <a16:creationId xmlns:a16="http://schemas.microsoft.com/office/drawing/2014/main" id="{6537AAC1-68EA-4E70-9434-5EE8C66F08D6}"/>
               </a:ext>
             </a:extLst>
           </p:cNvPr>
@@ -10454,8 +10432,8 @@
         </p:nvSpPr>
         <p:spPr>
           <a:xfrm>
-            <a:off x="216211" y="1815060"/>
-            <a:ext cx="686496" cy="184666"/>
+            <a:off x="224446" y="2118110"/>
+            <a:ext cx="686496" cy="276999"/>
           </a:xfrm>
           <a:prstGeom prst="rect">
             <a:avLst/>
@@ -10470,19 +10448,13 @@
           <a:p>
             <a:r>
               <a:rPr lang="fr-FR" sz="600" dirty="0"/>
-              <a:t>+</a:t>
-            </a:r>
-            <a:r>
-              <a:rPr lang="fr-FR" sz="600" dirty="0" err="1"/>
-              <a:t>swim</a:t>
-            </a:r>
-            <a:r>
-              <a:rPr lang="fr-FR" sz="600" dirty="0"/>
-              <a:t>(): </a:t>
-            </a:r>
-            <a:r>
-              <a:rPr lang="fr-FR" sz="600" dirty="0" err="1"/>
-              <a:t>void</a:t>
+              <a:t>&lt;&lt;interface&gt;&gt;</a:t>
+            </a:r>
+          </a:p>
+          <a:p>
+            <a:r>
+              <a:rPr lang="fr-FR" sz="600" dirty="0" err="1"/>
+              <a:t>Flying</a:t>
             </a:r>
             <a:endParaRPr lang="fr-FR" sz="600" dirty="0"/>
           </a:p>
@@ -10490,10 +10462,10 @@
       </p:sp>
       <p:sp>
         <p:nvSpPr>
-          <p:cNvPr id="143" name="Rectangle 142">
-            <a:extLst>
-              <a:ext uri="{FF2B5EF4-FFF2-40B4-BE49-F238E27FC236}">
-                <a16:creationId xmlns:a16="http://schemas.microsoft.com/office/drawing/2014/main" id="{34E650A4-0F02-4832-BBEE-7320A4178229}"/>
+          <p:cNvPr id="145" name="Rectangle 144">
+            <a:extLst>
+              <a:ext uri="{FF2B5EF4-FFF2-40B4-BE49-F238E27FC236}">
+                <a16:creationId xmlns:a16="http://schemas.microsoft.com/office/drawing/2014/main" id="{0F6EBE72-C901-4B76-9071-3473B99EC1DA}"/>
               </a:ext>
             </a:extLst>
           </p:cNvPr>
@@ -10502,8 +10474,8 @@
         </p:nvSpPr>
         <p:spPr>
           <a:xfrm>
-            <a:off x="216081" y="2093466"/>
-            <a:ext cx="686487" cy="318695"/>
+            <a:off x="216068" y="2412285"/>
+            <a:ext cx="686496" cy="72916"/>
           </a:xfrm>
           <a:prstGeom prst="rect">
             <a:avLst/>
@@ -10544,52 +10516,10 @@
       </p:sp>
       <p:sp>
         <p:nvSpPr>
-          <p:cNvPr id="144" name="ZoneTexte 143">
-            <a:extLst>
-              <a:ext uri="{FF2B5EF4-FFF2-40B4-BE49-F238E27FC236}">
-                <a16:creationId xmlns:a16="http://schemas.microsoft.com/office/drawing/2014/main" id="{6537AAC1-68EA-4E70-9434-5EE8C66F08D6}"/>
-              </a:ext>
-            </a:extLst>
-          </p:cNvPr>
-          <p:cNvSpPr txBox="1"/>
-          <p:nvPr/>
-        </p:nvSpPr>
-        <p:spPr>
-          <a:xfrm>
-            <a:off x="224446" y="2118110"/>
-            <a:ext cx="686496" cy="276999"/>
-          </a:xfrm>
-          <a:prstGeom prst="rect">
-            <a:avLst/>
-          </a:prstGeom>
-          <a:noFill/>
-        </p:spPr>
-        <p:txBody>
-          <a:bodyPr wrap="square" rtlCol="0">
-            <a:spAutoFit/>
-          </a:bodyPr>
-          <a:lstStyle/>
-          <a:p>
-            <a:r>
-              <a:rPr lang="fr-FR" sz="600" dirty="0"/>
-              <a:t>&lt;&lt;interface&gt;&gt;</a:t>
-            </a:r>
-          </a:p>
-          <a:p>
-            <a:r>
-              <a:rPr lang="fr-FR" sz="600" dirty="0" err="1"/>
-              <a:t>Flying</a:t>
-            </a:r>
-            <a:endParaRPr lang="fr-FR" sz="600" dirty="0"/>
-          </a:p>
-        </p:txBody>
-      </p:sp>
-      <p:sp>
-        <p:nvSpPr>
-          <p:cNvPr id="145" name="Rectangle 144">
-            <a:extLst>
-              <a:ext uri="{FF2B5EF4-FFF2-40B4-BE49-F238E27FC236}">
-                <a16:creationId xmlns:a16="http://schemas.microsoft.com/office/drawing/2014/main" id="{0F6EBE72-C901-4B76-9071-3473B99EC1DA}"/>
+          <p:cNvPr id="146" name="Rectangle 145">
+            <a:extLst>
+              <a:ext uri="{FF2B5EF4-FFF2-40B4-BE49-F238E27FC236}">
+                <a16:creationId xmlns:a16="http://schemas.microsoft.com/office/drawing/2014/main" id="{9F304694-F59F-48E5-9967-96CEE8485E9B}"/>
               </a:ext>
             </a:extLst>
           </p:cNvPr>
@@ -10598,8 +10528,8 @@
         </p:nvSpPr>
         <p:spPr>
           <a:xfrm>
-            <a:off x="216068" y="2412285"/>
-            <a:ext cx="686496" cy="72916"/>
+            <a:off x="216068" y="2485201"/>
+            <a:ext cx="686496" cy="210446"/>
           </a:xfrm>
           <a:prstGeom prst="rect">
             <a:avLst/>
@@ -10640,10 +10570,58 @@
       </p:sp>
       <p:sp>
         <p:nvSpPr>
-          <p:cNvPr id="146" name="Rectangle 145">
-            <a:extLst>
-              <a:ext uri="{FF2B5EF4-FFF2-40B4-BE49-F238E27FC236}">
-                <a16:creationId xmlns:a16="http://schemas.microsoft.com/office/drawing/2014/main" id="{9F304694-F59F-48E5-9967-96CEE8485E9B}"/>
+          <p:cNvPr id="147" name="ZoneTexte 146">
+            <a:extLst>
+              <a:ext uri="{FF2B5EF4-FFF2-40B4-BE49-F238E27FC236}">
+                <a16:creationId xmlns:a16="http://schemas.microsoft.com/office/drawing/2014/main" id="{1C739010-9CBC-465D-A4D9-1956136185C1}"/>
+              </a:ext>
+            </a:extLst>
+          </p:cNvPr>
+          <p:cNvSpPr txBox="1"/>
+          <p:nvPr/>
+        </p:nvSpPr>
+        <p:spPr>
+          <a:xfrm>
+            <a:off x="214976" y="2481700"/>
+            <a:ext cx="686496" cy="184666"/>
+          </a:xfrm>
+          <a:prstGeom prst="rect">
+            <a:avLst/>
+          </a:prstGeom>
+          <a:noFill/>
+        </p:spPr>
+        <p:txBody>
+          <a:bodyPr wrap="square" rtlCol="0">
+            <a:spAutoFit/>
+          </a:bodyPr>
+          <a:lstStyle/>
+          <a:p>
+            <a:r>
+              <a:rPr lang="fr-FR" sz="600" dirty="0"/>
+              <a:t>+</a:t>
+            </a:r>
+            <a:r>
+              <a:rPr lang="fr-FR" sz="600" dirty="0" err="1"/>
+              <a:t>fly</a:t>
+            </a:r>
+            <a:r>
+              <a:rPr lang="fr-FR" sz="600" dirty="0"/>
+              <a:t>(): </a:t>
+            </a:r>
+            <a:r>
+              <a:rPr lang="fr-FR" sz="600" dirty="0" err="1"/>
+              <a:t>void</a:t>
+            </a:r>
+            <a:endParaRPr lang="fr-FR" sz="600" dirty="0"/>
+          </a:p>
+        </p:txBody>
+      </p:sp>
+      <p:sp>
+        <p:nvSpPr>
+          <p:cNvPr id="149" name="Rectangle 148">
+            <a:extLst>
+              <a:ext uri="{FF2B5EF4-FFF2-40B4-BE49-F238E27FC236}">
+                <a16:creationId xmlns:a16="http://schemas.microsoft.com/office/drawing/2014/main" id="{4A987305-F160-4107-B085-E1BE91759EAE}"/>
               </a:ext>
             </a:extLst>
           </p:cNvPr>
@@ -10652,8 +10630,8 @@
         </p:nvSpPr>
         <p:spPr>
           <a:xfrm>
-            <a:off x="216068" y="2485201"/>
-            <a:ext cx="686496" cy="210446"/>
+            <a:off x="217161" y="2771350"/>
+            <a:ext cx="686487" cy="318695"/>
           </a:xfrm>
           <a:prstGeom prst="rect">
             <a:avLst/>
@@ -10694,10 +10672,10 @@
       </p:sp>
       <p:sp>
         <p:nvSpPr>
-          <p:cNvPr id="147" name="ZoneTexte 146">
-            <a:extLst>
-              <a:ext uri="{FF2B5EF4-FFF2-40B4-BE49-F238E27FC236}">
-                <a16:creationId xmlns:a16="http://schemas.microsoft.com/office/drawing/2014/main" id="{1C739010-9CBC-465D-A4D9-1956136185C1}"/>
+          <p:cNvPr id="150" name="ZoneTexte 149">
+            <a:extLst>
+              <a:ext uri="{FF2B5EF4-FFF2-40B4-BE49-F238E27FC236}">
+                <a16:creationId xmlns:a16="http://schemas.microsoft.com/office/drawing/2014/main" id="{04C161FD-10FC-48F5-9D22-A5C0FE5276FC}"/>
               </a:ext>
             </a:extLst>
           </p:cNvPr>
@@ -10706,8 +10684,8 @@
         </p:nvSpPr>
         <p:spPr>
           <a:xfrm>
-            <a:off x="214976" y="2481700"/>
-            <a:ext cx="686496" cy="184666"/>
+            <a:off x="225526" y="2795994"/>
+            <a:ext cx="686496" cy="276999"/>
           </a:xfrm>
           <a:prstGeom prst="rect">
             <a:avLst/>
@@ -10722,19 +10700,13 @@
           <a:p>
             <a:r>
               <a:rPr lang="fr-FR" sz="600" dirty="0"/>
-              <a:t>+</a:t>
-            </a:r>
-            <a:r>
-              <a:rPr lang="fr-FR" sz="600" dirty="0" err="1"/>
-              <a:t>fly</a:t>
-            </a:r>
-            <a:r>
-              <a:rPr lang="fr-FR" sz="600" dirty="0"/>
-              <a:t>(): </a:t>
-            </a:r>
-            <a:r>
-              <a:rPr lang="fr-FR" sz="600" dirty="0" err="1"/>
-              <a:t>void</a:t>
+              <a:t>&lt;&lt;interface&gt;&gt;</a:t>
+            </a:r>
+          </a:p>
+          <a:p>
+            <a:r>
+              <a:rPr lang="fr-FR" sz="600" dirty="0" err="1"/>
+              <a:t>Immortal</a:t>
             </a:r>
             <a:endParaRPr lang="fr-FR" sz="600" dirty="0"/>
           </a:p>
@@ -10742,10 +10714,10 @@
       </p:sp>
       <p:sp>
         <p:nvSpPr>
-          <p:cNvPr id="149" name="Rectangle 148">
-            <a:extLst>
-              <a:ext uri="{FF2B5EF4-FFF2-40B4-BE49-F238E27FC236}">
-                <a16:creationId xmlns:a16="http://schemas.microsoft.com/office/drawing/2014/main" id="{4A987305-F160-4107-B085-E1BE91759EAE}"/>
+          <p:cNvPr id="151" name="Rectangle 150">
+            <a:extLst>
+              <a:ext uri="{FF2B5EF4-FFF2-40B4-BE49-F238E27FC236}">
+                <a16:creationId xmlns:a16="http://schemas.microsoft.com/office/drawing/2014/main" id="{A7D9B225-9320-4875-AB3A-C408EE7372CF}"/>
               </a:ext>
             </a:extLst>
           </p:cNvPr>
@@ -10754,8 +10726,8 @@
         </p:nvSpPr>
         <p:spPr>
           <a:xfrm>
-            <a:off x="217161" y="2771350"/>
-            <a:ext cx="686487" cy="318695"/>
+            <a:off x="217148" y="3090169"/>
+            <a:ext cx="686496" cy="72916"/>
           </a:xfrm>
           <a:prstGeom prst="rect">
             <a:avLst/>
@@ -10796,52 +10768,10 @@
       </p:sp>
       <p:sp>
         <p:nvSpPr>
-          <p:cNvPr id="150" name="ZoneTexte 149">
-            <a:extLst>
-              <a:ext uri="{FF2B5EF4-FFF2-40B4-BE49-F238E27FC236}">
-                <a16:creationId xmlns:a16="http://schemas.microsoft.com/office/drawing/2014/main" id="{04C161FD-10FC-48F5-9D22-A5C0FE5276FC}"/>
-              </a:ext>
-            </a:extLst>
-          </p:cNvPr>
-          <p:cNvSpPr txBox="1"/>
-          <p:nvPr/>
-        </p:nvSpPr>
-        <p:spPr>
-          <a:xfrm>
-            <a:off x="225526" y="2795994"/>
-            <a:ext cx="686496" cy="276999"/>
-          </a:xfrm>
-          <a:prstGeom prst="rect">
-            <a:avLst/>
-          </a:prstGeom>
-          <a:noFill/>
-        </p:spPr>
-        <p:txBody>
-          <a:bodyPr wrap="square" rtlCol="0">
-            <a:spAutoFit/>
-          </a:bodyPr>
-          <a:lstStyle/>
-          <a:p>
-            <a:r>
-              <a:rPr lang="fr-FR" sz="600" dirty="0"/>
-              <a:t>&lt;&lt;interface&gt;&gt;</a:t>
-            </a:r>
-          </a:p>
-          <a:p>
-            <a:r>
-              <a:rPr lang="fr-FR" sz="600" dirty="0" err="1"/>
-              <a:t>Immortal</a:t>
-            </a:r>
-            <a:endParaRPr lang="fr-FR" sz="600" dirty="0"/>
-          </a:p>
-        </p:txBody>
-      </p:sp>
-      <p:sp>
-        <p:nvSpPr>
-          <p:cNvPr id="151" name="Rectangle 150">
-            <a:extLst>
-              <a:ext uri="{FF2B5EF4-FFF2-40B4-BE49-F238E27FC236}">
-                <a16:creationId xmlns:a16="http://schemas.microsoft.com/office/drawing/2014/main" id="{A7D9B225-9320-4875-AB3A-C408EE7372CF}"/>
+          <p:cNvPr id="152" name="Rectangle 151">
+            <a:extLst>
+              <a:ext uri="{FF2B5EF4-FFF2-40B4-BE49-F238E27FC236}">
+                <a16:creationId xmlns:a16="http://schemas.microsoft.com/office/drawing/2014/main" id="{606CA1D2-3B1A-461D-9C6F-F1AB9CC812B2}"/>
               </a:ext>
             </a:extLst>
           </p:cNvPr>
@@ -10850,8 +10780,8 @@
         </p:nvSpPr>
         <p:spPr>
           <a:xfrm>
-            <a:off x="217148" y="3090169"/>
-            <a:ext cx="686496" cy="72916"/>
+            <a:off x="217148" y="3163085"/>
+            <a:ext cx="686496" cy="210446"/>
           </a:xfrm>
           <a:prstGeom prst="rect">
             <a:avLst/>
@@ -10892,10 +10822,50 @@
       </p:sp>
       <p:sp>
         <p:nvSpPr>
-          <p:cNvPr id="152" name="Rectangle 151">
-            <a:extLst>
-              <a:ext uri="{FF2B5EF4-FFF2-40B4-BE49-F238E27FC236}">
-                <a16:creationId xmlns:a16="http://schemas.microsoft.com/office/drawing/2014/main" id="{606CA1D2-3B1A-461D-9C6F-F1AB9CC812B2}"/>
+          <p:cNvPr id="154" name="ZoneTexte 153">
+            <a:extLst>
+              <a:ext uri="{FF2B5EF4-FFF2-40B4-BE49-F238E27FC236}">
+                <a16:creationId xmlns:a16="http://schemas.microsoft.com/office/drawing/2014/main" id="{1A4E3798-C0FB-4EC0-94FE-83C124A1308F}"/>
+              </a:ext>
+            </a:extLst>
+          </p:cNvPr>
+          <p:cNvSpPr txBox="1"/>
+          <p:nvPr/>
+        </p:nvSpPr>
+        <p:spPr>
+          <a:xfrm>
+            <a:off x="216056" y="3159584"/>
+            <a:ext cx="686496" cy="184666"/>
+          </a:xfrm>
+          <a:prstGeom prst="rect">
+            <a:avLst/>
+          </a:prstGeom>
+          <a:noFill/>
+        </p:spPr>
+        <p:txBody>
+          <a:bodyPr wrap="square" rtlCol="0">
+            <a:spAutoFit/>
+          </a:bodyPr>
+          <a:lstStyle/>
+          <a:p>
+            <a:r>
+              <a:rPr lang="fr-FR" sz="600" dirty="0"/>
+              <a:t>+run(): </a:t>
+            </a:r>
+            <a:r>
+              <a:rPr lang="fr-FR" sz="600" dirty="0" err="1"/>
+              <a:t>void</a:t>
+            </a:r>
+            <a:endParaRPr lang="fr-FR" sz="600" dirty="0"/>
+          </a:p>
+        </p:txBody>
+      </p:sp>
+      <p:sp>
+        <p:nvSpPr>
+          <p:cNvPr id="2" name="Losange 1">
+            <a:extLst>
+              <a:ext uri="{FF2B5EF4-FFF2-40B4-BE49-F238E27FC236}">
+                <a16:creationId xmlns:a16="http://schemas.microsoft.com/office/drawing/2014/main" id="{9829E207-293D-DC94-3609-BCBDD975B473}"/>
               </a:ext>
             </a:extLst>
           </p:cNvPr>
@@ -10904,10 +10874,10 @@
         </p:nvSpPr>
         <p:spPr>
           <a:xfrm>
-            <a:off x="217148" y="3163085"/>
-            <a:ext cx="686496" cy="210446"/>
-          </a:xfrm>
-          <a:prstGeom prst="rect">
+            <a:off x="5825332" y="4378576"/>
+            <a:ext cx="96613" cy="176845"/>
+          </a:xfrm>
+          <a:prstGeom prst="diamond">
             <a:avLst/>
           </a:prstGeom>
           <a:solidFill>
@@ -10922,7 +10892,7 @@
         <p:style>
           <a:lnRef idx="2">
             <a:schemeClr val="accent1">
-              <a:shade val="50000"/>
+              <a:shade val="15000"/>
             </a:schemeClr>
           </a:lnRef>
           <a:fillRef idx="1">
@@ -10940,56 +10910,20 @@
           <a:lstStyle/>
           <a:p>
             <a:pPr algn="ctr"/>
-            <a:endParaRPr lang="fr-FR"/>
-          </a:p>
-        </p:txBody>
-      </p:sp>
-      <p:sp>
-        <p:nvSpPr>
-          <p:cNvPr id="154" name="ZoneTexte 153">
-            <a:extLst>
-              <a:ext uri="{FF2B5EF4-FFF2-40B4-BE49-F238E27FC236}">
-                <a16:creationId xmlns:a16="http://schemas.microsoft.com/office/drawing/2014/main" id="{1A4E3798-C0FB-4EC0-94FE-83C124A1308F}"/>
-              </a:ext>
-            </a:extLst>
-          </p:cNvPr>
-          <p:cNvSpPr txBox="1"/>
-          <p:nvPr/>
-        </p:nvSpPr>
-        <p:spPr>
-          <a:xfrm>
-            <a:off x="216056" y="3159584"/>
-            <a:ext cx="686496" cy="184666"/>
-          </a:xfrm>
-          <a:prstGeom prst="rect">
-            <a:avLst/>
-          </a:prstGeom>
-          <a:noFill/>
-        </p:spPr>
-        <p:txBody>
-          <a:bodyPr wrap="square" rtlCol="0">
-            <a:spAutoFit/>
-          </a:bodyPr>
-          <a:lstStyle/>
-          <a:p>
-            <a:r>
-              <a:rPr lang="fr-FR" sz="600" dirty="0"/>
-              <a:t>+run(): </a:t>
-            </a:r>
-            <a:r>
-              <a:rPr lang="fr-FR" sz="600" dirty="0" err="1"/>
-              <a:t>void</a:t>
-            </a:r>
-            <a:endParaRPr lang="fr-FR" sz="600" dirty="0"/>
-          </a:p>
-        </p:txBody>
-      </p:sp>
-      <p:sp>
-        <p:nvSpPr>
-          <p:cNvPr id="2" name="Losange 1">
-            <a:extLst>
-              <a:ext uri="{FF2B5EF4-FFF2-40B4-BE49-F238E27FC236}">
-                <a16:creationId xmlns:a16="http://schemas.microsoft.com/office/drawing/2014/main" id="{9829E207-293D-DC94-3609-BCBDD975B473}"/>
+            <a:endParaRPr lang="fr-FR">
+              <a:solidFill>
+                <a:schemeClr val="tx1"/>
+              </a:solidFill>
+            </a:endParaRPr>
+          </a:p>
+        </p:txBody>
+      </p:sp>
+      <p:sp>
+        <p:nvSpPr>
+          <p:cNvPr id="6" name="Losange 5">
+            <a:extLst>
+              <a:ext uri="{FF2B5EF4-FFF2-40B4-BE49-F238E27FC236}">
+                <a16:creationId xmlns:a16="http://schemas.microsoft.com/office/drawing/2014/main" id="{2D9BA9C6-4584-B659-85E0-5E0F1FB346A2}"/>
               </a:ext>
             </a:extLst>
           </p:cNvPr>
@@ -10997,8 +10931,8 @@
           <p:nvPr/>
         </p:nvSpPr>
         <p:spPr>
-          <a:xfrm>
-            <a:off x="5825332" y="4378576"/>
+          <a:xfrm rot="5400000">
+            <a:off x="8147397" y="4970693"/>
             <a:ext cx="96613" cy="176845"/>
           </a:xfrm>
           <a:prstGeom prst="diamond">
@@ -11034,20 +10968,16 @@
           <a:lstStyle/>
           <a:p>
             <a:pPr algn="ctr"/>
-            <a:endParaRPr lang="fr-FR">
-              <a:solidFill>
-                <a:schemeClr val="tx1"/>
-              </a:solidFill>
-            </a:endParaRPr>
-          </a:p>
-        </p:txBody>
-      </p:sp>
-      <p:sp>
-        <p:nvSpPr>
-          <p:cNvPr id="6" name="Losange 5">
-            <a:extLst>
-              <a:ext uri="{FF2B5EF4-FFF2-40B4-BE49-F238E27FC236}">
-                <a16:creationId xmlns:a16="http://schemas.microsoft.com/office/drawing/2014/main" id="{2D9BA9C6-4584-B659-85E0-5E0F1FB346A2}"/>
+            <a:endParaRPr lang="fr-FR"/>
+          </a:p>
+        </p:txBody>
+      </p:sp>
+      <p:sp>
+        <p:nvSpPr>
+          <p:cNvPr id="10" name="Losange 9">
+            <a:extLst>
+              <a:ext uri="{FF2B5EF4-FFF2-40B4-BE49-F238E27FC236}">
+                <a16:creationId xmlns:a16="http://schemas.microsoft.com/office/drawing/2014/main" id="{4C334A9D-B204-9043-B2C3-35BED7C7F9B0}"/>
               </a:ext>
             </a:extLst>
           </p:cNvPr>
@@ -11055,8 +10985,8 @@
           <p:nvPr/>
         </p:nvSpPr>
         <p:spPr>
-          <a:xfrm rot="5400000">
-            <a:off x="8147397" y="4970693"/>
+          <a:xfrm rot="10800000">
+            <a:off x="8770945" y="3044756"/>
             <a:ext cx="96613" cy="176845"/>
           </a:xfrm>
           <a:prstGeom prst="diamond">
@@ -11098,10 +11028,10 @@
       </p:sp>
       <p:sp>
         <p:nvSpPr>
-          <p:cNvPr id="10" name="Losange 9">
-            <a:extLst>
-              <a:ext uri="{FF2B5EF4-FFF2-40B4-BE49-F238E27FC236}">
-                <a16:creationId xmlns:a16="http://schemas.microsoft.com/office/drawing/2014/main" id="{4C334A9D-B204-9043-B2C3-35BED7C7F9B0}"/>
+          <p:cNvPr id="17" name="Losange 16">
+            <a:extLst>
+              <a:ext uri="{FF2B5EF4-FFF2-40B4-BE49-F238E27FC236}">
+                <a16:creationId xmlns:a16="http://schemas.microsoft.com/office/drawing/2014/main" id="{B79CC20C-6448-CA20-D593-72BA7D8431CF}"/>
               </a:ext>
             </a:extLst>
           </p:cNvPr>
@@ -11109,8 +11039,8 @@
           <p:nvPr/>
         </p:nvSpPr>
         <p:spPr>
-          <a:xfrm rot="10800000">
-            <a:off x="8770945" y="3044756"/>
+          <a:xfrm rot="16200000">
+            <a:off x="5232555" y="5125119"/>
             <a:ext cx="96613" cy="176845"/>
           </a:xfrm>
           <a:prstGeom prst="diamond">
@@ -11152,10 +11082,10 @@
       </p:sp>
       <p:sp>
         <p:nvSpPr>
-          <p:cNvPr id="17" name="Losange 16">
-            <a:extLst>
-              <a:ext uri="{FF2B5EF4-FFF2-40B4-BE49-F238E27FC236}">
-                <a16:creationId xmlns:a16="http://schemas.microsoft.com/office/drawing/2014/main" id="{B79CC20C-6448-CA20-D593-72BA7D8431CF}"/>
+          <p:cNvPr id="153" name="Rectangle 152">
+            <a:extLst>
+              <a:ext uri="{FF2B5EF4-FFF2-40B4-BE49-F238E27FC236}">
+                <a16:creationId xmlns:a16="http://schemas.microsoft.com/office/drawing/2014/main" id="{BD2E9647-B47D-4D57-96A5-8380CE95C25E}"/>
               </a:ext>
             </a:extLst>
           </p:cNvPr>
@@ -11163,11 +11093,11 @@
           <p:nvPr/>
         </p:nvSpPr>
         <p:spPr>
-          <a:xfrm rot="16200000">
-            <a:off x="5232555" y="5125119"/>
-            <a:ext cx="96613" cy="176845"/>
-          </a:xfrm>
-          <a:prstGeom prst="diamond">
+          <a:xfrm>
+            <a:off x="5432732" y="856487"/>
+            <a:ext cx="1238504" cy="186667"/>
+          </a:xfrm>
+          <a:prstGeom prst="rect">
             <a:avLst/>
           </a:prstGeom>
           <a:solidFill>
@@ -11182,7 +11112,7 @@
         <p:style>
           <a:lnRef idx="2">
             <a:schemeClr val="accent1">
-              <a:shade val="15000"/>
+              <a:shade val="50000"/>
             </a:schemeClr>
           </a:lnRef>
           <a:fillRef idx="1">
@@ -11206,10 +11136,46 @@
       </p:sp>
       <p:sp>
         <p:nvSpPr>
-          <p:cNvPr id="153" name="Rectangle 152">
-            <a:extLst>
-              <a:ext uri="{FF2B5EF4-FFF2-40B4-BE49-F238E27FC236}">
-                <a16:creationId xmlns:a16="http://schemas.microsoft.com/office/drawing/2014/main" id="{BD2E9647-B47D-4D57-96A5-8380CE95C25E}"/>
+          <p:cNvPr id="155" name="ZoneTexte 154">
+            <a:extLst>
+              <a:ext uri="{FF2B5EF4-FFF2-40B4-BE49-F238E27FC236}">
+                <a16:creationId xmlns:a16="http://schemas.microsoft.com/office/drawing/2014/main" id="{A1031440-B320-4106-A643-C38B7F2B25AF}"/>
+              </a:ext>
+            </a:extLst>
+          </p:cNvPr>
+          <p:cNvSpPr txBox="1"/>
+          <p:nvPr/>
+        </p:nvSpPr>
+        <p:spPr>
+          <a:xfrm>
+            <a:off x="5433343" y="861333"/>
+            <a:ext cx="1238504" cy="184666"/>
+          </a:xfrm>
+          <a:prstGeom prst="rect">
+            <a:avLst/>
+          </a:prstGeom>
+          <a:noFill/>
+        </p:spPr>
+        <p:txBody>
+          <a:bodyPr wrap="square" rtlCol="0">
+            <a:spAutoFit/>
+          </a:bodyPr>
+          <a:lstStyle/>
+          <a:p>
+            <a:r>
+              <a:rPr lang="fr-FR" sz="600" dirty="0" err="1"/>
+              <a:t>Creature</a:t>
+            </a:r>
+            <a:endParaRPr lang="fr-FR" sz="600" dirty="0"/>
+          </a:p>
+        </p:txBody>
+      </p:sp>
+      <p:sp>
+        <p:nvSpPr>
+          <p:cNvPr id="156" name="Rectangle 155">
+            <a:extLst>
+              <a:ext uri="{FF2B5EF4-FFF2-40B4-BE49-F238E27FC236}">
+                <a16:creationId xmlns:a16="http://schemas.microsoft.com/office/drawing/2014/main" id="{EC9EC16E-E1D0-4191-9351-04F007E7B475}"/>
               </a:ext>
             </a:extLst>
           </p:cNvPr>
@@ -11218,8 +11184,8 @@
         </p:nvSpPr>
         <p:spPr>
           <a:xfrm>
-            <a:off x="5432732" y="856487"/>
-            <a:ext cx="1238504" cy="186667"/>
+            <a:off x="7062410" y="1487678"/>
+            <a:ext cx="3500439" cy="197217"/>
           </a:xfrm>
           <a:prstGeom prst="rect">
             <a:avLst/>
@@ -11260,10 +11226,10 @@
       </p:sp>
       <p:sp>
         <p:nvSpPr>
-          <p:cNvPr id="155" name="ZoneTexte 154">
-            <a:extLst>
-              <a:ext uri="{FF2B5EF4-FFF2-40B4-BE49-F238E27FC236}">
-                <a16:creationId xmlns:a16="http://schemas.microsoft.com/office/drawing/2014/main" id="{A1031440-B320-4106-A643-C38B7F2B25AF}"/>
+          <p:cNvPr id="157" name="ZoneTexte 156">
+            <a:extLst>
+              <a:ext uri="{FF2B5EF4-FFF2-40B4-BE49-F238E27FC236}">
+                <a16:creationId xmlns:a16="http://schemas.microsoft.com/office/drawing/2014/main" id="{38996515-C1D5-44FF-AF9F-8A02C410C97F}"/>
               </a:ext>
             </a:extLst>
           </p:cNvPr>
@@ -11272,8 +11238,8 @@
         </p:nvSpPr>
         <p:spPr>
           <a:xfrm>
-            <a:off x="5433343" y="861333"/>
-            <a:ext cx="1238504" cy="184666"/>
+            <a:off x="7069031" y="1493953"/>
+            <a:ext cx="3500439" cy="184666"/>
           </a:xfrm>
           <a:prstGeom prst="rect">
             <a:avLst/>
@@ -11287,10 +11253,9 @@
           <a:lstStyle/>
           <a:p>
             <a:r>
-              <a:rPr lang="fr-FR" sz="600" dirty="0" err="1"/>
-              <a:t>Creature</a:t>
-            </a:r>
-            <a:endParaRPr lang="fr-FR" sz="600" dirty="0"/>
+              <a:rPr lang="fr-FR" sz="600" dirty="0"/>
+              <a:t>Master</a:t>
+            </a:r>
           </a:p>
         </p:txBody>
       </p:sp>

--- a/diagramme_de_classe.pptx
+++ b/diagramme_de_classe.pptx
@@ -3622,15 +3622,7 @@
           <a:p>
             <a:r>
               <a:rPr lang="fr-FR" sz="600" dirty="0"/>
-              <a:t>-</a:t>
-            </a:r>
-            <a:r>
-              <a:rPr lang="fr-FR" sz="600" dirty="0" err="1"/>
-              <a:t>addPrice</a:t>
-            </a:r>
-            <a:r>
-              <a:rPr lang="fr-FR" sz="600" dirty="0"/>
-              <a:t>: </a:t>
+              <a:t>-ADD_PRICE: </a:t>
             </a:r>
             <a:r>
               <a:rPr lang="fr-FR" sz="600" dirty="0" err="1"/>
@@ -3641,15 +3633,7 @@
           <a:p>
             <a:r>
               <a:rPr lang="fr-FR" sz="600" dirty="0"/>
-              <a:t>-</a:t>
-            </a:r>
-            <a:r>
-              <a:rPr lang="fr-FR" sz="600" dirty="0" err="1"/>
-              <a:t>sellPrice</a:t>
-            </a:r>
-            <a:r>
-              <a:rPr lang="fr-FR" sz="600" dirty="0"/>
-              <a:t>: </a:t>
+              <a:t>-SELL_PRICE: </a:t>
             </a:r>
             <a:r>
               <a:rPr lang="fr-FR" sz="600" dirty="0" err="1"/>
@@ -3660,15 +3644,7 @@
           <a:p>
             <a:r>
               <a:rPr lang="fr-FR" sz="600" dirty="0"/>
-              <a:t>-</a:t>
-            </a:r>
-            <a:r>
-              <a:rPr lang="fr-FR" sz="600" dirty="0" err="1"/>
-              <a:t>maintenancePrice</a:t>
-            </a:r>
-            <a:r>
-              <a:rPr lang="fr-FR" sz="600" dirty="0"/>
-              <a:t>: </a:t>
+              <a:t>-MAINTENANCE_PRICE: </a:t>
             </a:r>
             <a:r>
               <a:rPr lang="fr-FR" sz="600" dirty="0" err="1"/>
@@ -3679,15 +3655,7 @@
           <a:p>
             <a:r>
               <a:rPr lang="fr-FR" sz="600" dirty="0"/>
-              <a:t>-</a:t>
-            </a:r>
-            <a:r>
-              <a:rPr lang="fr-FR" sz="600" dirty="0" err="1"/>
-              <a:t>moneyGain</a:t>
-            </a:r>
-            <a:r>
-              <a:rPr lang="fr-FR" sz="600" dirty="0"/>
-              <a:t>: </a:t>
+              <a:t>-MONEY_GAIN: </a:t>
             </a:r>
             <a:r>
               <a:rPr lang="fr-FR" sz="600" dirty="0" err="1"/>
@@ -7621,7 +7589,7 @@
         <p:spPr>
           <a:xfrm flipV="1">
             <a:off x="4800280" y="5215915"/>
-            <a:ext cx="577785" cy="1752"/>
+            <a:ext cx="577784" cy="1752"/>
           </a:xfrm>
           <a:prstGeom prst="line">
             <a:avLst/>
@@ -7813,7 +7781,7 @@
         <p:spPr>
           <a:xfrm>
             <a:off x="5378810" y="4573772"/>
-            <a:ext cx="1007532" cy="184666"/>
+            <a:ext cx="798153" cy="184666"/>
           </a:xfrm>
           <a:prstGeom prst="rect">
             <a:avLst/>
@@ -7848,7 +7816,7 @@
         <p:spPr>
           <a:xfrm>
             <a:off x="5378810" y="4747200"/>
-            <a:ext cx="1007532" cy="1005481"/>
+            <a:ext cx="1004862" cy="1005481"/>
           </a:xfrm>
           <a:prstGeom prst="rect">
             <a:avLst/>
@@ -7955,8 +7923,8 @@
         </p:nvSpPr>
         <p:spPr>
           <a:xfrm>
-            <a:off x="5378065" y="4754250"/>
-            <a:ext cx="1007532" cy="923330"/>
+            <a:off x="5378064" y="4754250"/>
+            <a:ext cx="1035429" cy="923330"/>
           </a:xfrm>
           <a:prstGeom prst="rect">
             <a:avLst/>
@@ -8011,15 +7979,7 @@
           <a:p>
             <a:r>
               <a:rPr lang="fr-FR" sz="600" dirty="0"/>
-              <a:t>-</a:t>
-            </a:r>
-            <a:r>
-              <a:rPr lang="fr-FR" sz="600" dirty="0" err="1"/>
-              <a:t>maxAnimal</a:t>
-            </a:r>
-            <a:r>
-              <a:rPr lang="fr-FR" sz="600" dirty="0"/>
-              <a:t>: </a:t>
+              <a:t>-MAX_ANIMAL: </a:t>
             </a:r>
             <a:r>
               <a:rPr lang="fr-FR" sz="600" dirty="0" err="1"/>
@@ -8071,15 +8031,7 @@
           <a:p>
             <a:r>
               <a:rPr lang="fr-FR" sz="600" dirty="0"/>
-              <a:t>-</a:t>
-            </a:r>
-            <a:r>
-              <a:rPr lang="fr-FR" sz="600" dirty="0" err="1"/>
-              <a:t>addPrice</a:t>
-            </a:r>
-            <a:r>
-              <a:rPr lang="fr-FR" sz="600" dirty="0"/>
-              <a:t>: </a:t>
+              <a:t>-ADD_PRICE: </a:t>
             </a:r>
             <a:r>
               <a:rPr lang="fr-FR" sz="600" dirty="0" err="1"/>
@@ -8090,15 +8042,7 @@
           <a:p>
             <a:r>
               <a:rPr lang="fr-FR" sz="600" dirty="0"/>
-              <a:t>-</a:t>
-            </a:r>
-            <a:r>
-              <a:rPr lang="fr-FR" sz="600" dirty="0" err="1"/>
-              <a:t>sellPrice</a:t>
-            </a:r>
-            <a:r>
-              <a:rPr lang="fr-FR" sz="600" dirty="0"/>
-              <a:t>: </a:t>
+              <a:t>-SELL_PRICE: </a:t>
             </a:r>
             <a:r>
               <a:rPr lang="fr-FR" sz="600" dirty="0" err="1"/>
@@ -8109,15 +8053,7 @@
           <a:p>
             <a:r>
               <a:rPr lang="fr-FR" sz="600" dirty="0"/>
-              <a:t>-</a:t>
-            </a:r>
-            <a:r>
-              <a:rPr lang="fr-FR" sz="600" dirty="0" err="1"/>
-              <a:t>maintenancePrice</a:t>
-            </a:r>
-            <a:r>
-              <a:rPr lang="fr-FR" sz="600" dirty="0"/>
-              <a:t>: </a:t>
+              <a:t>-MAINTENANCE_PRICE: </a:t>
             </a:r>
             <a:r>
               <a:rPr lang="fr-FR" sz="600" dirty="0" err="1"/>

--- a/diagramme_de_classe.pptx
+++ b/diagramme_de_classe.pptx
@@ -259,7 +259,7 @@
           <a:p>
             <a:fld id="{09290FA0-1D6D-4AD1-8F64-BA6E9C8EE7F5}" type="datetimeFigureOut">
               <a:rPr lang="fr-FR" smtClean="0"/>
-              <a:t>26/04/2024</a:t>
+              <a:t>29/04/2024</a:t>
             </a:fld>
             <a:endParaRPr lang="fr-FR"/>
           </a:p>
@@ -457,7 +457,7 @@
           <a:p>
             <a:fld id="{09290FA0-1D6D-4AD1-8F64-BA6E9C8EE7F5}" type="datetimeFigureOut">
               <a:rPr lang="fr-FR" smtClean="0"/>
-              <a:t>26/04/2024</a:t>
+              <a:t>29/04/2024</a:t>
             </a:fld>
             <a:endParaRPr lang="fr-FR"/>
           </a:p>
@@ -665,7 +665,7 @@
           <a:p>
             <a:fld id="{09290FA0-1D6D-4AD1-8F64-BA6E9C8EE7F5}" type="datetimeFigureOut">
               <a:rPr lang="fr-FR" smtClean="0"/>
-              <a:t>26/04/2024</a:t>
+              <a:t>29/04/2024</a:t>
             </a:fld>
             <a:endParaRPr lang="fr-FR"/>
           </a:p>
@@ -863,7 +863,7 @@
           <a:p>
             <a:fld id="{09290FA0-1D6D-4AD1-8F64-BA6E9C8EE7F5}" type="datetimeFigureOut">
               <a:rPr lang="fr-FR" smtClean="0"/>
-              <a:t>26/04/2024</a:t>
+              <a:t>29/04/2024</a:t>
             </a:fld>
             <a:endParaRPr lang="fr-FR"/>
           </a:p>
@@ -1138,7 +1138,7 @@
           <a:p>
             <a:fld id="{09290FA0-1D6D-4AD1-8F64-BA6E9C8EE7F5}" type="datetimeFigureOut">
               <a:rPr lang="fr-FR" smtClean="0"/>
-              <a:t>26/04/2024</a:t>
+              <a:t>29/04/2024</a:t>
             </a:fld>
             <a:endParaRPr lang="fr-FR"/>
           </a:p>
@@ -1403,7 +1403,7 @@
           <a:p>
             <a:fld id="{09290FA0-1D6D-4AD1-8F64-BA6E9C8EE7F5}" type="datetimeFigureOut">
               <a:rPr lang="fr-FR" smtClean="0"/>
-              <a:t>26/04/2024</a:t>
+              <a:t>29/04/2024</a:t>
             </a:fld>
             <a:endParaRPr lang="fr-FR"/>
           </a:p>
@@ -1815,7 +1815,7 @@
           <a:p>
             <a:fld id="{09290FA0-1D6D-4AD1-8F64-BA6E9C8EE7F5}" type="datetimeFigureOut">
               <a:rPr lang="fr-FR" smtClean="0"/>
-              <a:t>26/04/2024</a:t>
+              <a:t>29/04/2024</a:t>
             </a:fld>
             <a:endParaRPr lang="fr-FR"/>
           </a:p>
@@ -1956,7 +1956,7 @@
           <a:p>
             <a:fld id="{09290FA0-1D6D-4AD1-8F64-BA6E9C8EE7F5}" type="datetimeFigureOut">
               <a:rPr lang="fr-FR" smtClean="0"/>
-              <a:t>26/04/2024</a:t>
+              <a:t>29/04/2024</a:t>
             </a:fld>
             <a:endParaRPr lang="fr-FR"/>
           </a:p>
@@ -2069,7 +2069,7 @@
           <a:p>
             <a:fld id="{09290FA0-1D6D-4AD1-8F64-BA6E9C8EE7F5}" type="datetimeFigureOut">
               <a:rPr lang="fr-FR" smtClean="0"/>
-              <a:t>26/04/2024</a:t>
+              <a:t>29/04/2024</a:t>
             </a:fld>
             <a:endParaRPr lang="fr-FR"/>
           </a:p>
@@ -2380,7 +2380,7 @@
           <a:p>
             <a:fld id="{09290FA0-1D6D-4AD1-8F64-BA6E9C8EE7F5}" type="datetimeFigureOut">
               <a:rPr lang="fr-FR" smtClean="0"/>
-              <a:t>26/04/2024</a:t>
+              <a:t>29/04/2024</a:t>
             </a:fld>
             <a:endParaRPr lang="fr-FR"/>
           </a:p>
@@ -2668,7 +2668,7 @@
           <a:p>
             <a:fld id="{09290FA0-1D6D-4AD1-8F64-BA6E9C8EE7F5}" type="datetimeFigureOut">
               <a:rPr lang="fr-FR" smtClean="0"/>
-              <a:t>26/04/2024</a:t>
+              <a:t>29/04/2024</a:t>
             </a:fld>
             <a:endParaRPr lang="fr-FR"/>
           </a:p>
@@ -2909,7 +2909,7 @@
           <a:p>
             <a:fld id="{09290FA0-1D6D-4AD1-8F64-BA6E9C8EE7F5}" type="datetimeFigureOut">
               <a:rPr lang="fr-FR" smtClean="0"/>
-              <a:t>26/04/2024</a:t>
+              <a:t>29/04/2024</a:t>
             </a:fld>
             <a:endParaRPr lang="fr-FR"/>
           </a:p>
@@ -5791,7 +5791,7 @@
         <p:spPr>
           <a:xfrm>
             <a:off x="3792958" y="1006706"/>
-            <a:ext cx="1007532" cy="72916"/>
+            <a:ext cx="1007532" cy="186896"/>
           </a:xfrm>
           <a:prstGeom prst="rect">
             <a:avLst/>
@@ -5844,8 +5844,8 @@
         </p:nvSpPr>
         <p:spPr>
           <a:xfrm>
-            <a:off x="3792958" y="1079622"/>
-            <a:ext cx="1007532" cy="201000"/>
+            <a:off x="3792754" y="1191027"/>
+            <a:ext cx="1007532" cy="190941"/>
           </a:xfrm>
           <a:prstGeom prst="rect">
             <a:avLst/>
@@ -7320,7 +7320,7 @@
         </p:nvSpPr>
         <p:spPr>
           <a:xfrm>
-            <a:off x="3792774" y="4894500"/>
+            <a:off x="3792774" y="4618270"/>
             <a:ext cx="1007519" cy="184667"/>
           </a:xfrm>
           <a:prstGeom prst="rect">
@@ -7374,7 +7374,7 @@
         </p:nvSpPr>
         <p:spPr>
           <a:xfrm>
-            <a:off x="3792761" y="4905862"/>
+            <a:off x="3792761" y="4629632"/>
             <a:ext cx="1007532" cy="184666"/>
           </a:xfrm>
           <a:prstGeom prst="rect">
@@ -7409,7 +7409,7 @@
         </p:nvSpPr>
         <p:spPr>
           <a:xfrm>
-            <a:off x="3792761" y="5079290"/>
+            <a:off x="3792761" y="4803060"/>
             <a:ext cx="1007532" cy="296291"/>
           </a:xfrm>
           <a:prstGeom prst="rect">
@@ -7463,7 +7463,7 @@
         </p:nvSpPr>
         <p:spPr>
           <a:xfrm>
-            <a:off x="3792761" y="5079167"/>
+            <a:off x="3792761" y="4802937"/>
             <a:ext cx="1007519" cy="276999"/>
           </a:xfrm>
           <a:prstGeom prst="rect">
@@ -7530,7 +7530,7 @@
         </p:nvSpPr>
         <p:spPr>
           <a:xfrm>
-            <a:off x="3792761" y="5373010"/>
+            <a:off x="3792761" y="5096780"/>
             <a:ext cx="1007532" cy="67957"/>
           </a:xfrm>
           <a:prstGeom prst="rect">
@@ -7588,7 +7588,7 @@
         </p:nvCxnSpPr>
         <p:spPr>
           <a:xfrm flipV="1">
-            <a:off x="4800280" y="5215915"/>
+            <a:off x="4800280" y="4939685"/>
             <a:ext cx="577784" cy="1752"/>
           </a:xfrm>
           <a:prstGeom prst="line">
@@ -7678,7 +7678,7 @@
         </p:nvSpPr>
         <p:spPr>
           <a:xfrm>
-            <a:off x="3792897" y="1095956"/>
+            <a:off x="3787266" y="1190077"/>
             <a:ext cx="1007532" cy="184666"/>
           </a:xfrm>
           <a:prstGeom prst="rect">
@@ -7726,7 +7726,7 @@
         </p:nvSpPr>
         <p:spPr>
           <a:xfrm>
-            <a:off x="5378823" y="4562410"/>
+            <a:off x="5378823" y="4286180"/>
             <a:ext cx="1007519" cy="184667"/>
           </a:xfrm>
           <a:prstGeom prst="rect">
@@ -7780,7 +7780,7 @@
         </p:nvSpPr>
         <p:spPr>
           <a:xfrm>
-            <a:off x="5378810" y="4573772"/>
+            <a:off x="5378810" y="4297542"/>
             <a:ext cx="798153" cy="184666"/>
           </a:xfrm>
           <a:prstGeom prst="rect">
@@ -7815,7 +7815,7 @@
         </p:nvSpPr>
         <p:spPr>
           <a:xfrm>
-            <a:off x="5378810" y="4747200"/>
+            <a:off x="5378810" y="4470970"/>
             <a:ext cx="1004862" cy="1005481"/>
           </a:xfrm>
           <a:prstGeom prst="rect">
@@ -7869,7 +7869,7 @@
         </p:nvSpPr>
         <p:spPr>
           <a:xfrm>
-            <a:off x="5378810" y="5745306"/>
+            <a:off x="5378810" y="5469076"/>
             <a:ext cx="1007532" cy="255377"/>
           </a:xfrm>
           <a:prstGeom prst="rect">
@@ -7923,7 +7923,7 @@
         </p:nvSpPr>
         <p:spPr>
           <a:xfrm>
-            <a:off x="5378064" y="4754250"/>
+            <a:off x="5378064" y="4478020"/>
             <a:ext cx="1035429" cy="923330"/>
           </a:xfrm>
           <a:prstGeom prst="rect">
@@ -8077,7 +8077,7 @@
         </p:nvSpPr>
         <p:spPr>
           <a:xfrm>
-            <a:off x="5376140" y="5747080"/>
+            <a:off x="5376140" y="5470850"/>
             <a:ext cx="1007532" cy="276999"/>
           </a:xfrm>
           <a:prstGeom prst="rect">
@@ -8144,8 +8144,8 @@
         </p:nvSpPr>
         <p:spPr>
           <a:xfrm>
-            <a:off x="4943719" y="6426720"/>
-            <a:ext cx="526264" cy="184667"/>
+            <a:off x="4759955" y="6150490"/>
+            <a:ext cx="710028" cy="184667"/>
           </a:xfrm>
           <a:prstGeom prst="rect">
             <a:avLst/>
@@ -8198,8 +8198,8 @@
         </p:nvSpPr>
         <p:spPr>
           <a:xfrm>
-            <a:off x="4943705" y="6438082"/>
-            <a:ext cx="526271" cy="184666"/>
+            <a:off x="4755572" y="6155090"/>
+            <a:ext cx="660976" cy="184666"/>
           </a:xfrm>
           <a:prstGeom prst="rect">
             <a:avLst/>
@@ -8233,8 +8233,8 @@
         </p:nvSpPr>
         <p:spPr>
           <a:xfrm>
-            <a:off x="4943705" y="6611511"/>
-            <a:ext cx="526271" cy="58030"/>
+            <a:off x="4759949" y="6335280"/>
+            <a:ext cx="710028" cy="192061"/>
           </a:xfrm>
           <a:prstGeom prst="rect">
             <a:avLst/>
@@ -8287,8 +8287,8 @@
         </p:nvSpPr>
         <p:spPr>
           <a:xfrm>
-            <a:off x="4943705" y="6671587"/>
-            <a:ext cx="526271" cy="58030"/>
+            <a:off x="4759836" y="6529020"/>
+            <a:ext cx="710028" cy="193395"/>
           </a:xfrm>
           <a:prstGeom prst="rect">
             <a:avLst/>
@@ -8341,7 +8341,7 @@
         </p:nvSpPr>
         <p:spPr>
           <a:xfrm>
-            <a:off x="5599588" y="6426720"/>
+            <a:off x="5599588" y="6150490"/>
             <a:ext cx="526263" cy="184667"/>
           </a:xfrm>
           <a:prstGeom prst="rect">
@@ -8395,7 +8395,7 @@
         </p:nvSpPr>
         <p:spPr>
           <a:xfrm>
-            <a:off x="5599575" y="6438082"/>
+            <a:off x="5599575" y="6161852"/>
             <a:ext cx="526270" cy="184666"/>
           </a:xfrm>
           <a:prstGeom prst="rect">
@@ -8431,8 +8431,8 @@
         </p:nvSpPr>
         <p:spPr>
           <a:xfrm>
-            <a:off x="5599575" y="6611511"/>
-            <a:ext cx="526270" cy="58030"/>
+            <a:off x="5599575" y="6335281"/>
+            <a:ext cx="526270" cy="261422"/>
           </a:xfrm>
           <a:prstGeom prst="rect">
             <a:avLst/>
@@ -8485,7 +8485,7 @@
         </p:nvSpPr>
         <p:spPr>
           <a:xfrm>
-            <a:off x="5599575" y="6671587"/>
+            <a:off x="5599575" y="6596702"/>
             <a:ext cx="526270" cy="58030"/>
           </a:xfrm>
           <a:prstGeom prst="rect">
@@ -8539,7 +8539,7 @@
         </p:nvSpPr>
         <p:spPr>
           <a:xfrm>
-            <a:off x="6260198" y="6426720"/>
+            <a:off x="6260198" y="6150490"/>
             <a:ext cx="526263" cy="184667"/>
           </a:xfrm>
           <a:prstGeom prst="rect">
@@ -8593,7 +8593,7 @@
         </p:nvSpPr>
         <p:spPr>
           <a:xfrm>
-            <a:off x="6255437" y="6433898"/>
+            <a:off x="6255437" y="6157668"/>
             <a:ext cx="526270" cy="184666"/>
           </a:xfrm>
           <a:prstGeom prst="rect">
@@ -8629,7 +8629,7 @@
         </p:nvSpPr>
         <p:spPr>
           <a:xfrm>
-            <a:off x="6260185" y="6611511"/>
+            <a:off x="6260185" y="6335281"/>
             <a:ext cx="526270" cy="58030"/>
           </a:xfrm>
           <a:prstGeom prst="rect">
@@ -8683,7 +8683,7 @@
         </p:nvSpPr>
         <p:spPr>
           <a:xfrm>
-            <a:off x="6260185" y="6671587"/>
+            <a:off x="6260185" y="6390594"/>
             <a:ext cx="526270" cy="58030"/>
           </a:xfrm>
           <a:prstGeom prst="rect">
@@ -8739,7 +8739,7 @@
         </p:nvCxnSpPr>
         <p:spPr>
           <a:xfrm>
-            <a:off x="5206840" y="6211000"/>
+            <a:off x="5206840" y="5934770"/>
             <a:ext cx="1341943" cy="2269"/>
           </a:xfrm>
           <a:prstGeom prst="line">
@@ -8782,7 +8782,7 @@
         </p:nvCxnSpPr>
         <p:spPr>
           <a:xfrm flipV="1">
-            <a:off x="5206841" y="6212882"/>
+            <a:off x="5206841" y="5936652"/>
             <a:ext cx="0" cy="215676"/>
           </a:xfrm>
           <a:prstGeom prst="line">
@@ -8825,7 +8825,7 @@
         </p:nvCxnSpPr>
         <p:spPr>
           <a:xfrm flipV="1">
-            <a:off x="5865906" y="6213460"/>
+            <a:off x="5865906" y="5937230"/>
             <a:ext cx="0" cy="215676"/>
           </a:xfrm>
           <a:prstGeom prst="line">
@@ -8868,7 +8868,7 @@
         </p:nvCxnSpPr>
         <p:spPr>
           <a:xfrm flipV="1">
-            <a:off x="6543369" y="6212882"/>
+            <a:off x="6543369" y="5936652"/>
             <a:ext cx="0" cy="215676"/>
           </a:xfrm>
           <a:prstGeom prst="line">
@@ -8911,7 +8911,7 @@
         </p:nvCxnSpPr>
         <p:spPr>
           <a:xfrm flipV="1">
-            <a:off x="5868287" y="5993278"/>
+            <a:off x="5868287" y="5717048"/>
             <a:ext cx="0" cy="217722"/>
           </a:xfrm>
           <a:prstGeom prst="straightConnector1">
@@ -8953,7 +8953,7 @@
         </p:nvSpPr>
         <p:spPr>
           <a:xfrm>
-            <a:off x="8291739" y="4643381"/>
+            <a:off x="8291739" y="4367151"/>
             <a:ext cx="1007519" cy="184667"/>
           </a:xfrm>
           <a:prstGeom prst="rect">
@@ -9007,7 +9007,7 @@
         </p:nvSpPr>
         <p:spPr>
           <a:xfrm>
-            <a:off x="8291726" y="4654743"/>
+            <a:off x="8291726" y="4378513"/>
             <a:ext cx="1007532" cy="184666"/>
           </a:xfrm>
           <a:prstGeom prst="rect">
@@ -9042,7 +9042,7 @@
         </p:nvSpPr>
         <p:spPr>
           <a:xfrm>
-            <a:off x="8291726" y="4828172"/>
+            <a:off x="8291726" y="4551942"/>
             <a:ext cx="1007532" cy="461665"/>
           </a:xfrm>
           <a:prstGeom prst="rect">
@@ -9096,7 +9096,7 @@
         </p:nvSpPr>
         <p:spPr>
           <a:xfrm>
-            <a:off x="8291665" y="4830626"/>
+            <a:off x="8291665" y="4554396"/>
             <a:ext cx="1007532" cy="461665"/>
           </a:xfrm>
           <a:prstGeom prst="rect">
@@ -9171,7 +9171,7 @@
         </p:nvSpPr>
         <p:spPr>
           <a:xfrm>
-            <a:off x="8292026" y="5289838"/>
+            <a:off x="8292026" y="5013608"/>
             <a:ext cx="1007532" cy="66482"/>
           </a:xfrm>
           <a:prstGeom prst="rect">
@@ -9226,9 +9226,9 @@
           <p:nvPr/>
         </p:nvCxnSpPr>
         <p:spPr>
-          <a:xfrm flipV="1">
-            <a:off x="5873050" y="3683351"/>
-            <a:ext cx="9525" cy="870751"/>
+          <a:xfrm flipH="1" flipV="1">
+            <a:off x="5873638" y="3691941"/>
+            <a:ext cx="1" cy="470358"/>
           </a:xfrm>
           <a:prstGeom prst="line">
             <a:avLst/>
@@ -9271,7 +9271,7 @@
         </p:nvCxnSpPr>
         <p:spPr>
           <a:xfrm>
-            <a:off x="6384851" y="5058960"/>
+            <a:off x="6384851" y="4782730"/>
             <a:ext cx="1898779" cy="0"/>
           </a:xfrm>
           <a:prstGeom prst="line">
@@ -9532,9 +9532,9 @@
           <p:nvPr/>
         </p:nvCxnSpPr>
         <p:spPr>
-          <a:xfrm flipV="1">
-            <a:off x="8800108" y="3173722"/>
-            <a:ext cx="19144" cy="1474424"/>
+          <a:xfrm flipH="1" flipV="1">
+            <a:off x="8821517" y="3131930"/>
+            <a:ext cx="8676" cy="1229540"/>
           </a:xfrm>
           <a:prstGeom prst="line">
             <a:avLst/>
@@ -10810,7 +10810,7 @@
         </p:nvSpPr>
         <p:spPr>
           <a:xfrm>
-            <a:off x="5825332" y="4378576"/>
+            <a:off x="5825332" y="4092820"/>
             <a:ext cx="96613" cy="176845"/>
           </a:xfrm>
           <a:prstGeom prst="diamond">
@@ -10868,7 +10868,7 @@
         </p:nvSpPr>
         <p:spPr>
           <a:xfrm rot="5400000">
-            <a:off x="8147397" y="4970693"/>
+            <a:off x="8147397" y="4694463"/>
             <a:ext cx="96613" cy="176845"/>
           </a:xfrm>
           <a:prstGeom prst="diamond">
@@ -10976,7 +10976,7 @@
         </p:nvSpPr>
         <p:spPr>
           <a:xfrm rot="16200000">
-            <a:off x="5232555" y="5125119"/>
+            <a:off x="5232555" y="4848889"/>
             <a:ext cx="96613" cy="176845"/>
           </a:xfrm>
           <a:prstGeom prst="diamond">
@@ -11192,6 +11192,217 @@
               <a:rPr lang="fr-FR" sz="600" dirty="0"/>
               <a:t>Master</a:t>
             </a:r>
+          </a:p>
+        </p:txBody>
+      </p:sp>
+      <p:sp>
+        <p:nvSpPr>
+          <p:cNvPr id="159" name="ZoneTexte 158">
+            <a:extLst>
+              <a:ext uri="{FF2B5EF4-FFF2-40B4-BE49-F238E27FC236}">
+                <a16:creationId xmlns:a16="http://schemas.microsoft.com/office/drawing/2014/main" id="{735BB504-12F4-4702-AC18-1258F4E8F391}"/>
+              </a:ext>
+            </a:extLst>
+          </p:cNvPr>
+          <p:cNvSpPr txBox="1"/>
+          <p:nvPr/>
+        </p:nvSpPr>
+        <p:spPr>
+          <a:xfrm>
+            <a:off x="4764697" y="6344989"/>
+            <a:ext cx="710027" cy="184666"/>
+          </a:xfrm>
+          <a:prstGeom prst="rect">
+            <a:avLst/>
+          </a:prstGeom>
+          <a:noFill/>
+        </p:spPr>
+        <p:txBody>
+          <a:bodyPr wrap="square" rtlCol="0">
+            <a:spAutoFit/>
+          </a:bodyPr>
+          <a:lstStyle/>
+          <a:p>
+            <a:r>
+              <a:rPr lang="fr-FR" sz="600" dirty="0"/>
+              <a:t>-</a:t>
+            </a:r>
+            <a:r>
+              <a:rPr lang="fr-FR" sz="600" dirty="0" err="1"/>
+              <a:t>height</a:t>
+            </a:r>
+            <a:r>
+              <a:rPr lang="fr-FR" sz="600" dirty="0"/>
+              <a:t>: </a:t>
+            </a:r>
+            <a:r>
+              <a:rPr lang="fr-FR" sz="600" dirty="0" err="1"/>
+              <a:t>int</a:t>
+            </a:r>
+            <a:endParaRPr lang="fr-FR" sz="600" dirty="0"/>
+          </a:p>
+        </p:txBody>
+      </p:sp>
+      <p:sp>
+        <p:nvSpPr>
+          <p:cNvPr id="160" name="ZoneTexte 159">
+            <a:extLst>
+              <a:ext uri="{FF2B5EF4-FFF2-40B4-BE49-F238E27FC236}">
+                <a16:creationId xmlns:a16="http://schemas.microsoft.com/office/drawing/2014/main" id="{AEDC04C0-4D16-49F2-B4A6-D78886FBC987}"/>
+              </a:ext>
+            </a:extLst>
+          </p:cNvPr>
+          <p:cNvSpPr txBox="1"/>
+          <p:nvPr/>
+        </p:nvSpPr>
+        <p:spPr>
+          <a:xfrm>
+            <a:off x="4755529" y="6537749"/>
+            <a:ext cx="747219" cy="184666"/>
+          </a:xfrm>
+          <a:prstGeom prst="rect">
+            <a:avLst/>
+          </a:prstGeom>
+          <a:noFill/>
+        </p:spPr>
+        <p:txBody>
+          <a:bodyPr wrap="square" rtlCol="0">
+            <a:spAutoFit/>
+          </a:bodyPr>
+          <a:lstStyle/>
+          <a:p>
+            <a:r>
+              <a:rPr lang="fr-FR" sz="600" dirty="0"/>
+              <a:t>+</a:t>
+            </a:r>
+            <a:r>
+              <a:rPr lang="fr-FR" sz="600" dirty="0" err="1"/>
+              <a:t>cleanRoof</a:t>
+            </a:r>
+            <a:r>
+              <a:rPr lang="fr-FR" sz="600" dirty="0"/>
+              <a:t>(): </a:t>
+            </a:r>
+            <a:r>
+              <a:rPr lang="fr-FR" sz="600" dirty="0" err="1"/>
+              <a:t>void</a:t>
+            </a:r>
+            <a:endParaRPr lang="fr-FR" sz="600" dirty="0"/>
+          </a:p>
+        </p:txBody>
+      </p:sp>
+      <p:sp>
+        <p:nvSpPr>
+          <p:cNvPr id="162" name="ZoneTexte 161">
+            <a:extLst>
+              <a:ext uri="{FF2B5EF4-FFF2-40B4-BE49-F238E27FC236}">
+                <a16:creationId xmlns:a16="http://schemas.microsoft.com/office/drawing/2014/main" id="{AB81C3A0-332A-4C87-850C-5400D405C059}"/>
+              </a:ext>
+            </a:extLst>
+          </p:cNvPr>
+          <p:cNvSpPr txBox="1"/>
+          <p:nvPr/>
+        </p:nvSpPr>
+        <p:spPr>
+          <a:xfrm>
+            <a:off x="5606122" y="6334364"/>
+            <a:ext cx="570842" cy="276999"/>
+          </a:xfrm>
+          <a:prstGeom prst="rect">
+            <a:avLst/>
+          </a:prstGeom>
+          <a:noFill/>
+        </p:spPr>
+        <p:txBody>
+          <a:bodyPr wrap="square" rtlCol="0">
+            <a:spAutoFit/>
+          </a:bodyPr>
+          <a:lstStyle/>
+          <a:p>
+            <a:r>
+              <a:rPr lang="fr-FR" sz="600" dirty="0"/>
+              <a:t>-</a:t>
+            </a:r>
+            <a:r>
+              <a:rPr lang="fr-FR" sz="600" dirty="0" err="1"/>
+              <a:t>depth</a:t>
+            </a:r>
+            <a:r>
+              <a:rPr lang="fr-FR" sz="600" dirty="0"/>
+              <a:t>: </a:t>
+            </a:r>
+            <a:r>
+              <a:rPr lang="fr-FR" sz="600" dirty="0" err="1"/>
+              <a:t>int</a:t>
+            </a:r>
+            <a:br>
+              <a:rPr lang="fr-FR" sz="600" dirty="0"/>
+            </a:br>
+            <a:r>
+              <a:rPr lang="fr-FR" sz="600" dirty="0"/>
+              <a:t>-</a:t>
+            </a:r>
+            <a:r>
+              <a:rPr lang="fr-FR" sz="600" dirty="0" err="1"/>
+              <a:t>salinity</a:t>
+            </a:r>
+            <a:r>
+              <a:rPr lang="fr-FR" sz="600" dirty="0"/>
+              <a:t>: </a:t>
+            </a:r>
+            <a:r>
+              <a:rPr lang="fr-FR" sz="600" dirty="0" err="1"/>
+              <a:t>int</a:t>
+            </a:r>
+            <a:endParaRPr lang="fr-FR" sz="600" dirty="0"/>
+          </a:p>
+        </p:txBody>
+      </p:sp>
+      <p:sp>
+        <p:nvSpPr>
+          <p:cNvPr id="164" name="ZoneTexte 163">
+            <a:extLst>
+              <a:ext uri="{FF2B5EF4-FFF2-40B4-BE49-F238E27FC236}">
+                <a16:creationId xmlns:a16="http://schemas.microsoft.com/office/drawing/2014/main" id="{23AB7BDF-13D6-42ED-906A-53F78F9822FA}"/>
+              </a:ext>
+            </a:extLst>
+          </p:cNvPr>
+          <p:cNvSpPr txBox="1"/>
+          <p:nvPr/>
+        </p:nvSpPr>
+        <p:spPr>
+          <a:xfrm>
+            <a:off x="3797896" y="1008936"/>
+            <a:ext cx="1007532" cy="184666"/>
+          </a:xfrm>
+          <a:prstGeom prst="rect">
+            <a:avLst/>
+          </a:prstGeom>
+          <a:noFill/>
+        </p:spPr>
+        <p:txBody>
+          <a:bodyPr wrap="square" rtlCol="0">
+            <a:spAutoFit/>
+          </a:bodyPr>
+          <a:lstStyle/>
+          <a:p>
+            <a:r>
+              <a:rPr lang="fr-FR" sz="600" dirty="0"/>
+              <a:t>-</a:t>
+            </a:r>
+            <a:r>
+              <a:rPr lang="fr-FR" sz="600" dirty="0" err="1"/>
+              <a:t>timeBeforeGestation</a:t>
+            </a:r>
+            <a:r>
+              <a:rPr lang="fr-FR" sz="600" dirty="0"/>
+              <a:t>: </a:t>
+            </a:r>
+            <a:r>
+              <a:rPr lang="fr-FR" sz="600" dirty="0" err="1"/>
+              <a:t>int</a:t>
+            </a:r>
+            <a:endParaRPr lang="fr-FR" sz="600" dirty="0"/>
           </a:p>
         </p:txBody>
       </p:sp>

--- a/diagramme_de_classe.pptx
+++ b/diagramme_de_classe.pptx
@@ -8186,41 +8186,6 @@
       </p:sp>
       <p:sp>
         <p:nvSpPr>
-          <p:cNvPr id="331" name="ZoneTexte 330">
-            <a:extLst>
-              <a:ext uri="{FF2B5EF4-FFF2-40B4-BE49-F238E27FC236}">
-                <a16:creationId xmlns:a16="http://schemas.microsoft.com/office/drawing/2014/main" id="{4016A8A8-A9BF-419B-A361-0D1DC7BAE1BC}"/>
-              </a:ext>
-            </a:extLst>
-          </p:cNvPr>
-          <p:cNvSpPr txBox="1"/>
-          <p:nvPr/>
-        </p:nvSpPr>
-        <p:spPr>
-          <a:xfrm>
-            <a:off x="4755572" y="6155090"/>
-            <a:ext cx="660976" cy="184666"/>
-          </a:xfrm>
-          <a:prstGeom prst="rect">
-            <a:avLst/>
-          </a:prstGeom>
-          <a:noFill/>
-        </p:spPr>
-        <p:txBody>
-          <a:bodyPr wrap="square" rtlCol="0">
-            <a:spAutoFit/>
-          </a:bodyPr>
-          <a:lstStyle/>
-          <a:p>
-            <a:r>
-              <a:rPr lang="fr-FR" sz="600" dirty="0"/>
-              <a:t>Aquarium</a:t>
-            </a:r>
-          </a:p>
-        </p:txBody>
-      </p:sp>
-      <p:sp>
-        <p:nvSpPr>
           <p:cNvPr id="332" name="Rectangle 331">
             <a:extLst>
               <a:ext uri="{FF2B5EF4-FFF2-40B4-BE49-F238E27FC236}">
@@ -8395,8 +8360,8 @@
         </p:nvSpPr>
         <p:spPr>
           <a:xfrm>
-            <a:off x="5599575" y="6161852"/>
-            <a:ext cx="526270" cy="184666"/>
+            <a:off x="4759844" y="6154432"/>
+            <a:ext cx="705369" cy="184666"/>
           </a:xfrm>
           <a:prstGeom prst="rect">
             <a:avLst/>
@@ -9368,7 +9333,7 @@
         <p:spPr>
           <a:xfrm>
             <a:off x="7069031" y="1685019"/>
-            <a:ext cx="3500439" cy="553998"/>
+            <a:ext cx="3500439" cy="461665"/>
           </a:xfrm>
           <a:prstGeom prst="rect">
             <a:avLst/>
@@ -9434,20 +9399,6 @@
             <a:r>
               <a:rPr lang="fr-FR" sz="600" dirty="0"/>
               <a:t>(‘M’, ‘F’)</a:t>
-            </a:r>
-          </a:p>
-          <a:p>
-            <a:r>
-              <a:rPr lang="fr-FR" sz="600" dirty="0"/>
-              <a:t>-</a:t>
-            </a:r>
-            <a:r>
-              <a:rPr lang="fr-FR" sz="600" dirty="0" err="1"/>
-              <a:t>enclosureList</a:t>
-            </a:r>
-            <a:r>
-              <a:rPr lang="fr-FR" sz="600" dirty="0"/>
-              <a:t>: Enclosure[]</a:t>
             </a:r>
           </a:p>
           <a:p>
@@ -11403,6 +11354,41 @@
               <a:t>int</a:t>
             </a:r>
             <a:endParaRPr lang="fr-FR" sz="600" dirty="0"/>
+          </a:p>
+        </p:txBody>
+      </p:sp>
+      <p:sp>
+        <p:nvSpPr>
+          <p:cNvPr id="165" name="ZoneTexte 164">
+            <a:extLst>
+              <a:ext uri="{FF2B5EF4-FFF2-40B4-BE49-F238E27FC236}">
+                <a16:creationId xmlns:a16="http://schemas.microsoft.com/office/drawing/2014/main" id="{092852DD-0B50-4336-9EB4-CD9340CA5284}"/>
+              </a:ext>
+            </a:extLst>
+          </p:cNvPr>
+          <p:cNvSpPr txBox="1"/>
+          <p:nvPr/>
+        </p:nvSpPr>
+        <p:spPr>
+          <a:xfrm>
+            <a:off x="5599563" y="6150490"/>
+            <a:ext cx="526263" cy="184666"/>
+          </a:xfrm>
+          <a:prstGeom prst="rect">
+            <a:avLst/>
+          </a:prstGeom>
+          <a:noFill/>
+        </p:spPr>
+        <p:txBody>
+          <a:bodyPr wrap="square" rtlCol="0">
+            <a:spAutoFit/>
+          </a:bodyPr>
+          <a:lstStyle/>
+          <a:p>
+            <a:r>
+              <a:rPr lang="fr-FR" sz="600" dirty="0"/>
+              <a:t>Aquarium</a:t>
+            </a:r>
           </a:p>
         </p:txBody>
       </p:sp>

--- a/diagramme_de_classe.pptx
+++ b/diagramme_de_classe.pptx
@@ -7870,7 +7870,7 @@
         <p:spPr>
           <a:xfrm>
             <a:off x="5378810" y="5469076"/>
-            <a:ext cx="1007532" cy="255377"/>
+            <a:ext cx="1007532" cy="387693"/>
           </a:xfrm>
           <a:prstGeom prst="rect">
             <a:avLst/>
@@ -8077,8 +8077,8 @@
         </p:nvSpPr>
         <p:spPr>
           <a:xfrm>
-            <a:off x="5376140" y="5470850"/>
-            <a:ext cx="1007532" cy="276999"/>
+            <a:off x="5381100" y="5472107"/>
+            <a:ext cx="1007532" cy="369332"/>
           </a:xfrm>
           <a:prstGeom prst="rect">
             <a:avLst/>
@@ -8124,10 +8124,29 @@
             </a:r>
             <a:r>
               <a:rPr lang="fr-FR" sz="600" dirty="0" err="1"/>
-              <a:t>boolean</a:t>
+              <a:t>void</a:t>
             </a:r>
             <a:endParaRPr lang="fr-FR" sz="600" dirty="0"/>
           </a:p>
+          <a:p>
+            <a:r>
+              <a:rPr lang="fr-FR" sz="600" dirty="0"/>
+              <a:t>+</a:t>
+            </a:r>
+            <a:r>
+              <a:rPr lang="fr-FR" sz="600" dirty="0" err="1"/>
+              <a:t>removeCreature</a:t>
+            </a:r>
+            <a:r>
+              <a:rPr lang="fr-FR" sz="600" dirty="0"/>
+              <a:t>(): </a:t>
+            </a:r>
+            <a:r>
+              <a:rPr lang="fr-FR" sz="600" dirty="0" err="1"/>
+              <a:t>void</a:t>
+            </a:r>
+            <a:endParaRPr lang="fr-FR" sz="600" dirty="0"/>
+          </a:p>
         </p:txBody>
       </p:sp>
       <p:sp>
@@ -8144,7 +8163,7 @@
         </p:nvSpPr>
         <p:spPr>
           <a:xfrm>
-            <a:off x="4759955" y="6150490"/>
+            <a:off x="4759955" y="6262411"/>
             <a:ext cx="710028" cy="184667"/>
           </a:xfrm>
           <a:prstGeom prst="rect">
@@ -8198,7 +8217,7 @@
         </p:nvSpPr>
         <p:spPr>
           <a:xfrm>
-            <a:off x="4759949" y="6335280"/>
+            <a:off x="4759949" y="6447201"/>
             <a:ext cx="710028" cy="192061"/>
           </a:xfrm>
           <a:prstGeom prst="rect">
@@ -8252,7 +8271,7 @@
         </p:nvSpPr>
         <p:spPr>
           <a:xfrm>
-            <a:off x="4759836" y="6529020"/>
+            <a:off x="4759836" y="6640941"/>
             <a:ext cx="710028" cy="193395"/>
           </a:xfrm>
           <a:prstGeom prst="rect">
@@ -8306,7 +8325,7 @@
         </p:nvSpPr>
         <p:spPr>
           <a:xfrm>
-            <a:off x="5599588" y="6150490"/>
+            <a:off x="5599588" y="6262411"/>
             <a:ext cx="526263" cy="184667"/>
           </a:xfrm>
           <a:prstGeom prst="rect">
@@ -8360,7 +8379,7 @@
         </p:nvSpPr>
         <p:spPr>
           <a:xfrm>
-            <a:off x="4759844" y="6154432"/>
+            <a:off x="4759844" y="6266353"/>
             <a:ext cx="705369" cy="184666"/>
           </a:xfrm>
           <a:prstGeom prst="rect">
@@ -8396,7 +8415,7 @@
         </p:nvSpPr>
         <p:spPr>
           <a:xfrm>
-            <a:off x="5599575" y="6335281"/>
+            <a:off x="5599575" y="6447202"/>
             <a:ext cx="526270" cy="261422"/>
           </a:xfrm>
           <a:prstGeom prst="rect">
@@ -8450,7 +8469,7 @@
         </p:nvSpPr>
         <p:spPr>
           <a:xfrm>
-            <a:off x="5599575" y="6596702"/>
+            <a:off x="5599575" y="6708623"/>
             <a:ext cx="526270" cy="58030"/>
           </a:xfrm>
           <a:prstGeom prst="rect">
@@ -8504,7 +8523,7 @@
         </p:nvSpPr>
         <p:spPr>
           <a:xfrm>
-            <a:off x="6260198" y="6150490"/>
+            <a:off x="6260198" y="6262411"/>
             <a:ext cx="526263" cy="184667"/>
           </a:xfrm>
           <a:prstGeom prst="rect">
@@ -8558,7 +8577,7 @@
         </p:nvSpPr>
         <p:spPr>
           <a:xfrm>
-            <a:off x="6255437" y="6157668"/>
+            <a:off x="6255437" y="6269589"/>
             <a:ext cx="526270" cy="184666"/>
           </a:xfrm>
           <a:prstGeom prst="rect">
@@ -8594,7 +8613,7 @@
         </p:nvSpPr>
         <p:spPr>
           <a:xfrm>
-            <a:off x="6260185" y="6335281"/>
+            <a:off x="6260185" y="6447202"/>
             <a:ext cx="526270" cy="58030"/>
           </a:xfrm>
           <a:prstGeom prst="rect">
@@ -8648,7 +8667,7 @@
         </p:nvSpPr>
         <p:spPr>
           <a:xfrm>
-            <a:off x="6260185" y="6390594"/>
+            <a:off x="6260185" y="6502515"/>
             <a:ext cx="526270" cy="58030"/>
           </a:xfrm>
           <a:prstGeom prst="rect">
@@ -8704,7 +8723,7 @@
         </p:nvCxnSpPr>
         <p:spPr>
           <a:xfrm>
-            <a:off x="5206840" y="5934770"/>
+            <a:off x="5206840" y="6046691"/>
             <a:ext cx="1341943" cy="2269"/>
           </a:xfrm>
           <a:prstGeom prst="line">
@@ -8747,7 +8766,7 @@
         </p:nvCxnSpPr>
         <p:spPr>
           <a:xfrm flipV="1">
-            <a:off x="5206841" y="5936652"/>
+            <a:off x="5206841" y="6048573"/>
             <a:ext cx="0" cy="215676"/>
           </a:xfrm>
           <a:prstGeom prst="line">
@@ -8790,7 +8809,7 @@
         </p:nvCxnSpPr>
         <p:spPr>
           <a:xfrm flipV="1">
-            <a:off x="5865906" y="5937230"/>
+            <a:off x="5865906" y="6049151"/>
             <a:ext cx="0" cy="215676"/>
           </a:xfrm>
           <a:prstGeom prst="line">
@@ -8833,7 +8852,7 @@
         </p:nvCxnSpPr>
         <p:spPr>
           <a:xfrm flipV="1">
-            <a:off x="6543369" y="5936652"/>
+            <a:off x="6543369" y="6048573"/>
             <a:ext cx="0" cy="215676"/>
           </a:xfrm>
           <a:prstGeom prst="line">
@@ -8876,7 +8895,7 @@
         </p:nvCxnSpPr>
         <p:spPr>
           <a:xfrm flipV="1">
-            <a:off x="5868287" y="5717048"/>
+            <a:off x="5865906" y="5859926"/>
             <a:ext cx="0" cy="217722"/>
           </a:xfrm>
           <a:prstGeom prst="straightConnector1">
@@ -11160,7 +11179,7 @@
         </p:nvSpPr>
         <p:spPr>
           <a:xfrm>
-            <a:off x="4764697" y="6344989"/>
+            <a:off x="4764697" y="6456910"/>
             <a:ext cx="710027" cy="184666"/>
           </a:xfrm>
           <a:prstGeom prst="rect">
@@ -11208,7 +11227,7 @@
         </p:nvSpPr>
         <p:spPr>
           <a:xfrm>
-            <a:off x="4755529" y="6537749"/>
+            <a:off x="4755529" y="6649670"/>
             <a:ext cx="747219" cy="184666"/>
           </a:xfrm>
           <a:prstGeom prst="rect">
@@ -11256,7 +11275,7 @@
         </p:nvSpPr>
         <p:spPr>
           <a:xfrm>
-            <a:off x="5606122" y="6334364"/>
+            <a:off x="5606122" y="6446285"/>
             <a:ext cx="570842" cy="276999"/>
           </a:xfrm>
           <a:prstGeom prst="rect">
@@ -11371,7 +11390,7 @@
         </p:nvSpPr>
         <p:spPr>
           <a:xfrm>
-            <a:off x="5599563" y="6150490"/>
+            <a:off x="5599563" y="6262411"/>
             <a:ext cx="526263" cy="184666"/>
           </a:xfrm>
           <a:prstGeom prst="rect">

--- a/diagramme_de_classe.pptx
+++ b/diagramme_de_classe.pptx
@@ -259,7 +259,7 @@
           <a:p>
             <a:fld id="{09290FA0-1D6D-4AD1-8F64-BA6E9C8EE7F5}" type="datetimeFigureOut">
               <a:rPr lang="fr-FR" smtClean="0"/>
-              <a:t>29/04/2024</a:t>
+              <a:t>02/06/2024</a:t>
             </a:fld>
             <a:endParaRPr lang="fr-FR"/>
           </a:p>
@@ -457,7 +457,7 @@
           <a:p>
             <a:fld id="{09290FA0-1D6D-4AD1-8F64-BA6E9C8EE7F5}" type="datetimeFigureOut">
               <a:rPr lang="fr-FR" smtClean="0"/>
-              <a:t>29/04/2024</a:t>
+              <a:t>02/06/2024</a:t>
             </a:fld>
             <a:endParaRPr lang="fr-FR"/>
           </a:p>
@@ -665,7 +665,7 @@
           <a:p>
             <a:fld id="{09290FA0-1D6D-4AD1-8F64-BA6E9C8EE7F5}" type="datetimeFigureOut">
               <a:rPr lang="fr-FR" smtClean="0"/>
-              <a:t>29/04/2024</a:t>
+              <a:t>02/06/2024</a:t>
             </a:fld>
             <a:endParaRPr lang="fr-FR"/>
           </a:p>
@@ -863,7 +863,7 @@
           <a:p>
             <a:fld id="{09290FA0-1D6D-4AD1-8F64-BA6E9C8EE7F5}" type="datetimeFigureOut">
               <a:rPr lang="fr-FR" smtClean="0"/>
-              <a:t>29/04/2024</a:t>
+              <a:t>02/06/2024</a:t>
             </a:fld>
             <a:endParaRPr lang="fr-FR"/>
           </a:p>
@@ -1138,7 +1138,7 @@
           <a:p>
             <a:fld id="{09290FA0-1D6D-4AD1-8F64-BA6E9C8EE7F5}" type="datetimeFigureOut">
               <a:rPr lang="fr-FR" smtClean="0"/>
-              <a:t>29/04/2024</a:t>
+              <a:t>02/06/2024</a:t>
             </a:fld>
             <a:endParaRPr lang="fr-FR"/>
           </a:p>
@@ -1403,7 +1403,7 @@
           <a:p>
             <a:fld id="{09290FA0-1D6D-4AD1-8F64-BA6E9C8EE7F5}" type="datetimeFigureOut">
               <a:rPr lang="fr-FR" smtClean="0"/>
-              <a:t>29/04/2024</a:t>
+              <a:t>02/06/2024</a:t>
             </a:fld>
             <a:endParaRPr lang="fr-FR"/>
           </a:p>
@@ -1815,7 +1815,7 @@
           <a:p>
             <a:fld id="{09290FA0-1D6D-4AD1-8F64-BA6E9C8EE7F5}" type="datetimeFigureOut">
               <a:rPr lang="fr-FR" smtClean="0"/>
-              <a:t>29/04/2024</a:t>
+              <a:t>02/06/2024</a:t>
             </a:fld>
             <a:endParaRPr lang="fr-FR"/>
           </a:p>
@@ -1956,7 +1956,7 @@
           <a:p>
             <a:fld id="{09290FA0-1D6D-4AD1-8F64-BA6E9C8EE7F5}" type="datetimeFigureOut">
               <a:rPr lang="fr-FR" smtClean="0"/>
-              <a:t>29/04/2024</a:t>
+              <a:t>02/06/2024</a:t>
             </a:fld>
             <a:endParaRPr lang="fr-FR"/>
           </a:p>
@@ -2069,7 +2069,7 @@
           <a:p>
             <a:fld id="{09290FA0-1D6D-4AD1-8F64-BA6E9C8EE7F5}" type="datetimeFigureOut">
               <a:rPr lang="fr-FR" smtClean="0"/>
-              <a:t>29/04/2024</a:t>
+              <a:t>02/06/2024</a:t>
             </a:fld>
             <a:endParaRPr lang="fr-FR"/>
           </a:p>
@@ -2380,7 +2380,7 @@
           <a:p>
             <a:fld id="{09290FA0-1D6D-4AD1-8F64-BA6E9C8EE7F5}" type="datetimeFigureOut">
               <a:rPr lang="fr-FR" smtClean="0"/>
-              <a:t>29/04/2024</a:t>
+              <a:t>02/06/2024</a:t>
             </a:fld>
             <a:endParaRPr lang="fr-FR"/>
           </a:p>
@@ -2668,7 +2668,7 @@
           <a:p>
             <a:fld id="{09290FA0-1D6D-4AD1-8F64-BA6E9C8EE7F5}" type="datetimeFigureOut">
               <a:rPr lang="fr-FR" smtClean="0"/>
-              <a:t>29/04/2024</a:t>
+              <a:t>02/06/2024</a:t>
             </a:fld>
             <a:endParaRPr lang="fr-FR"/>
           </a:p>
@@ -2909,7 +2909,7 @@
           <a:p>
             <a:fld id="{09290FA0-1D6D-4AD1-8F64-BA6E9C8EE7F5}" type="datetimeFigureOut">
               <a:rPr lang="fr-FR" smtClean="0"/>
-              <a:t>29/04/2024</a:t>
+              <a:t>02/06/2024</a:t>
             </a:fld>
             <a:endParaRPr lang="fr-FR"/>
           </a:p>
@@ -3395,7 +3395,7 @@
         <p:spPr>
           <a:xfrm>
             <a:off x="5434574" y="1045861"/>
-            <a:ext cx="1238504" cy="1754326"/>
+            <a:ext cx="1238504" cy="1015663"/>
           </a:xfrm>
           <a:prstGeom prst="rect">
             <a:avLst/>
@@ -3465,11 +3465,20 @@
               <a:rPr lang="fr-FR" sz="600" dirty="0"/>
               <a:t>-size: double</a:t>
             </a:r>
-          </a:p>
-          <a:p>
-            <a:r>
-              <a:rPr lang="fr-FR" sz="600" dirty="0"/>
-              <a:t>-MAX_AGE: </a:t>
+            <a:br>
+              <a:rPr lang="fr-FR" sz="600" dirty="0"/>
+            </a:br>
+            <a:r>
+              <a:rPr lang="fr-FR" sz="600" dirty="0"/>
+              <a:t>-</a:t>
+            </a:r>
+            <a:r>
+              <a:rPr lang="fr-FR" sz="600" dirty="0" err="1"/>
+              <a:t>age</a:t>
+            </a:r>
+            <a:r>
+              <a:rPr lang="fr-FR" sz="600" dirty="0"/>
+              <a:t>: </a:t>
             </a:r>
             <a:r>
               <a:rPr lang="fr-FR" sz="600" dirty="0" err="1"/>
@@ -3484,7 +3493,7 @@
             </a:r>
             <a:r>
               <a:rPr lang="fr-FR" sz="600" dirty="0" err="1"/>
-              <a:t>age</a:t>
+              <a:t>hunger</a:t>
             </a:r>
             <a:r>
               <a:rPr lang="fr-FR" sz="600" dirty="0"/>
@@ -3494,85 +3503,44 @@
               <a:rPr lang="fr-FR" sz="600" dirty="0" err="1"/>
               <a:t>int</a:t>
             </a:r>
+            <a:br>
+              <a:rPr lang="fr-FR" sz="600" dirty="0"/>
+            </a:br>
+            <a:r>
+              <a:rPr lang="fr-FR" sz="600" dirty="0"/>
+              <a:t>-</a:t>
+            </a:r>
+            <a:r>
+              <a:rPr lang="fr-FR" sz="600" dirty="0" err="1"/>
+              <a:t>sleep</a:t>
+            </a:r>
+            <a:r>
+              <a:rPr lang="fr-FR" sz="600" dirty="0"/>
+              <a:t>: </a:t>
+            </a:r>
+            <a:r>
+              <a:rPr lang="fr-FR" sz="600" dirty="0" err="1"/>
+              <a:t>boolean</a:t>
+            </a:r>
             <a:endParaRPr lang="fr-FR" sz="600" dirty="0"/>
           </a:p>
           <a:p>
             <a:r>
               <a:rPr lang="fr-FR" sz="600" dirty="0"/>
-              <a:t>-MAX_HUNGER: </a:t>
+              <a:t>-</a:t>
+            </a:r>
+            <a:r>
+              <a:rPr lang="fr-FR" sz="600" dirty="0" err="1"/>
+              <a:t>stamina</a:t>
+            </a:r>
+            <a:r>
+              <a:rPr lang="fr-FR" sz="600" dirty="0"/>
+              <a:t>: </a:t>
             </a:r>
             <a:r>
               <a:rPr lang="fr-FR" sz="600" dirty="0" err="1"/>
               <a:t>int</a:t>
             </a:r>
-            <a:br>
-              <a:rPr lang="fr-FR" sz="600" dirty="0"/>
-            </a:br>
-            <a:r>
-              <a:rPr lang="fr-FR" sz="600" dirty="0"/>
-              <a:t>-</a:t>
-            </a:r>
-            <a:r>
-              <a:rPr lang="fr-FR" sz="600" dirty="0" err="1"/>
-              <a:t>hunger</a:t>
-            </a:r>
-            <a:r>
-              <a:rPr lang="fr-FR" sz="600" dirty="0"/>
-              <a:t>: </a:t>
-            </a:r>
-            <a:r>
-              <a:rPr lang="fr-FR" sz="600" dirty="0" err="1"/>
-              <a:t>int</a:t>
-            </a:r>
-            <a:br>
-              <a:rPr lang="fr-FR" sz="600" dirty="0"/>
-            </a:br>
-            <a:r>
-              <a:rPr lang="fr-FR" sz="600" dirty="0"/>
-              <a:t>-</a:t>
-            </a:r>
-            <a:r>
-              <a:rPr lang="fr-FR" sz="600" dirty="0" err="1"/>
-              <a:t>sleep</a:t>
-            </a:r>
-            <a:r>
-              <a:rPr lang="fr-FR" sz="600" dirty="0"/>
-              <a:t>: </a:t>
-            </a:r>
-            <a:r>
-              <a:rPr lang="fr-FR" sz="600" dirty="0" err="1"/>
-              <a:t>boolean</a:t>
-            </a:r>
-            <a:endParaRPr lang="fr-FR" sz="600" dirty="0"/>
-          </a:p>
-          <a:p>
-            <a:r>
-              <a:rPr lang="fr-FR" sz="600" dirty="0"/>
-              <a:t>-MAX_STAMINA: </a:t>
-            </a:r>
-            <a:r>
-              <a:rPr lang="fr-FR" sz="600" dirty="0" err="1"/>
-              <a:t>int</a:t>
-            </a:r>
-            <a:endParaRPr lang="fr-FR" sz="600" dirty="0"/>
-          </a:p>
-          <a:p>
-            <a:r>
-              <a:rPr lang="fr-FR" sz="600" dirty="0"/>
-              <a:t>-</a:t>
-            </a:r>
-            <a:r>
-              <a:rPr lang="fr-FR" sz="600" dirty="0" err="1"/>
-              <a:t>stamina</a:t>
-            </a:r>
-            <a:r>
-              <a:rPr lang="fr-FR" sz="600" dirty="0"/>
-              <a:t>: </a:t>
-            </a:r>
-            <a:r>
-              <a:rPr lang="fr-FR" sz="600" dirty="0" err="1"/>
-              <a:t>int</a:t>
-            </a:r>
             <a:endParaRPr lang="fr-FR" sz="600" dirty="0"/>
           </a:p>
           <a:p>
@@ -3588,16 +3556,6 @@
               <a:rPr lang="fr-FR" sz="600" dirty="0"/>
               <a:t>(0, 1, 2)</a:t>
             </a:r>
-          </a:p>
-          <a:p>
-            <a:r>
-              <a:rPr lang="fr-FR" sz="600" dirty="0"/>
-              <a:t>-MAX_HP: </a:t>
-            </a:r>
-            <a:r>
-              <a:rPr lang="fr-FR" sz="600" dirty="0" err="1"/>
-              <a:t>int</a:t>
-            </a:r>
             <a:br>
               <a:rPr lang="fr-FR" sz="600" dirty="0"/>
             </a:br>
@@ -3612,50 +3570,6 @@
             <a:r>
               <a:rPr lang="fr-FR" sz="600" dirty="0"/>
               <a:t>: </a:t>
-            </a:r>
-            <a:r>
-              <a:rPr lang="fr-FR" sz="600" dirty="0" err="1"/>
-              <a:t>int</a:t>
-            </a:r>
-            <a:endParaRPr lang="fr-FR" sz="600" dirty="0"/>
-          </a:p>
-          <a:p>
-            <a:r>
-              <a:rPr lang="fr-FR" sz="600" dirty="0"/>
-              <a:t>-ADD_PRICE: </a:t>
-            </a:r>
-            <a:r>
-              <a:rPr lang="fr-FR" sz="600" dirty="0" err="1"/>
-              <a:t>int</a:t>
-            </a:r>
-            <a:endParaRPr lang="fr-FR" sz="600" dirty="0"/>
-          </a:p>
-          <a:p>
-            <a:r>
-              <a:rPr lang="fr-FR" sz="600" dirty="0"/>
-              <a:t>-SELL_PRICE: </a:t>
-            </a:r>
-            <a:r>
-              <a:rPr lang="fr-FR" sz="600" dirty="0" err="1"/>
-              <a:t>int</a:t>
-            </a:r>
-            <a:endParaRPr lang="fr-FR" sz="600" dirty="0"/>
-          </a:p>
-          <a:p>
-            <a:r>
-              <a:rPr lang="fr-FR" sz="600" dirty="0"/>
-              <a:t>-MAINTENANCE_PRICE: </a:t>
-            </a:r>
-            <a:r>
-              <a:rPr lang="fr-FR" sz="600" dirty="0" err="1"/>
-              <a:t>int</a:t>
-            </a:r>
-            <a:endParaRPr lang="fr-FR" sz="600" dirty="0"/>
-          </a:p>
-          <a:p>
-            <a:r>
-              <a:rPr lang="fr-FR" sz="600" dirty="0"/>
-              <a:t>-MONEY_GAIN: </a:t>
             </a:r>
             <a:r>
               <a:rPr lang="fr-FR" sz="600" dirty="0" err="1"/>
@@ -7582,14 +7496,13 @@
           <p:cNvCxnSpPr>
             <a:cxnSpLocks/>
             <a:stCxn id="309" idx="3"/>
-            <a:endCxn id="328" idx="1"/>
           </p:cNvCxnSpPr>
           <p:nvPr/>
         </p:nvCxnSpPr>
         <p:spPr>
-          <a:xfrm flipV="1">
-            <a:off x="4800280" y="4939685"/>
-            <a:ext cx="577784" cy="1752"/>
+          <a:xfrm>
+            <a:off x="4800280" y="4941437"/>
+            <a:ext cx="577784" cy="0"/>
           </a:xfrm>
           <a:prstGeom prst="line">
             <a:avLst/>
@@ -7924,7 +7837,7 @@
         <p:spPr>
           <a:xfrm>
             <a:off x="5378064" y="4478020"/>
-            <a:ext cx="1035429" cy="923330"/>
+            <a:ext cx="1035429" cy="553998"/>
           </a:xfrm>
           <a:prstGeom prst="rect">
             <a:avLst/>
@@ -7979,17 +7892,6 @@
           <a:p>
             <a:r>
               <a:rPr lang="fr-FR" sz="600" dirty="0"/>
-              <a:t>-MAX_ANIMAL: </a:t>
-            </a:r>
-            <a:r>
-              <a:rPr lang="fr-FR" sz="600" dirty="0" err="1"/>
-              <a:t>int</a:t>
-            </a:r>
-            <a:endParaRPr lang="fr-FR" sz="600" dirty="0"/>
-          </a:p>
-          <a:p>
-            <a:r>
-              <a:rPr lang="fr-FR" sz="600" dirty="0"/>
               <a:t>-</a:t>
             </a:r>
             <a:r>
@@ -8021,39 +7923,6 @@
             <a:r>
               <a:rPr lang="fr-FR" sz="600" dirty="0"/>
               <a:t>: </a:t>
-            </a:r>
-            <a:r>
-              <a:rPr lang="fr-FR" sz="600" dirty="0" err="1"/>
-              <a:t>int</a:t>
-            </a:r>
-            <a:endParaRPr lang="fr-FR" sz="600" dirty="0"/>
-          </a:p>
-          <a:p>
-            <a:r>
-              <a:rPr lang="fr-FR" sz="600" dirty="0"/>
-              <a:t>-ADD_PRICE: </a:t>
-            </a:r>
-            <a:r>
-              <a:rPr lang="fr-FR" sz="600" dirty="0" err="1"/>
-              <a:t>int</a:t>
-            </a:r>
-            <a:endParaRPr lang="fr-FR" sz="600" dirty="0"/>
-          </a:p>
-          <a:p>
-            <a:r>
-              <a:rPr lang="fr-FR" sz="600" dirty="0"/>
-              <a:t>-SELL_PRICE: </a:t>
-            </a:r>
-            <a:r>
-              <a:rPr lang="fr-FR" sz="600" dirty="0" err="1"/>
-              <a:t>int</a:t>
-            </a:r>
-            <a:endParaRPr lang="fr-FR" sz="600" dirty="0"/>
-          </a:p>
-          <a:p>
-            <a:r>
-              <a:rPr lang="fr-FR" sz="600" dirty="0"/>
-              <a:t>-MAINTENANCE_PRICE: </a:t>
             </a:r>
             <a:r>
               <a:rPr lang="fr-FR" sz="600" dirty="0" err="1"/>
@@ -8724,7 +8593,7 @@
         <p:spPr>
           <a:xfrm>
             <a:off x="5206840" y="6046691"/>
-            <a:ext cx="1341943" cy="2269"/>
+            <a:ext cx="2047729" cy="44"/>
           </a:xfrm>
           <a:prstGeom prst="line">
             <a:avLst/>
@@ -11408,6 +11277,247 @@
               <a:rPr lang="fr-FR" sz="600" dirty="0"/>
               <a:t>Aquarium</a:t>
             </a:r>
+          </a:p>
+        </p:txBody>
+      </p:sp>
+      <p:cxnSp>
+        <p:nvCxnSpPr>
+          <p:cNvPr id="166" name="Connecteur droit 165">
+            <a:extLst>
+              <a:ext uri="{FF2B5EF4-FFF2-40B4-BE49-F238E27FC236}">
+                <a16:creationId xmlns:a16="http://schemas.microsoft.com/office/drawing/2014/main" id="{3B40CC87-40E8-4BC1-9B42-3FD7AA6E7FC7}"/>
+              </a:ext>
+            </a:extLst>
+          </p:cNvPr>
+          <p:cNvCxnSpPr>
+            <a:cxnSpLocks/>
+          </p:cNvCxnSpPr>
+          <p:nvPr/>
+        </p:nvCxnSpPr>
+        <p:spPr>
+          <a:xfrm flipV="1">
+            <a:off x="7254569" y="6046735"/>
+            <a:ext cx="0" cy="215676"/>
+          </a:xfrm>
+          <a:prstGeom prst="line">
+            <a:avLst/>
+          </a:prstGeom>
+          <a:ln w="12700">
+            <a:solidFill>
+              <a:schemeClr val="tx1"/>
+            </a:solidFill>
+          </a:ln>
+        </p:spPr>
+        <p:style>
+          <a:lnRef idx="1">
+            <a:schemeClr val="accent1"/>
+          </a:lnRef>
+          <a:fillRef idx="0">
+            <a:schemeClr val="accent1"/>
+          </a:fillRef>
+          <a:effectRef idx="0">
+            <a:schemeClr val="accent1"/>
+          </a:effectRef>
+          <a:fontRef idx="minor">
+            <a:schemeClr val="tx1"/>
+          </a:fontRef>
+        </p:style>
+      </p:cxnSp>
+      <p:sp>
+        <p:nvSpPr>
+          <p:cNvPr id="167" name="Rectangle 166">
+            <a:extLst>
+              <a:ext uri="{FF2B5EF4-FFF2-40B4-BE49-F238E27FC236}">
+                <a16:creationId xmlns:a16="http://schemas.microsoft.com/office/drawing/2014/main" id="{EFF19177-7C8E-4963-8A8A-21FCC9A46E4D}"/>
+              </a:ext>
+            </a:extLst>
+          </p:cNvPr>
+          <p:cNvSpPr/>
+          <p:nvPr/>
+        </p:nvSpPr>
+        <p:spPr>
+          <a:xfrm>
+            <a:off x="6996195" y="6262411"/>
+            <a:ext cx="839702" cy="184667"/>
+          </a:xfrm>
+          <a:prstGeom prst="rect">
+            <a:avLst/>
+          </a:prstGeom>
+          <a:solidFill>
+            <a:schemeClr val="bg1"/>
+          </a:solidFill>
+          <a:ln>
+            <a:solidFill>
+              <a:schemeClr val="tx1"/>
+            </a:solidFill>
+          </a:ln>
+        </p:spPr>
+        <p:style>
+          <a:lnRef idx="2">
+            <a:schemeClr val="accent1">
+              <a:shade val="50000"/>
+            </a:schemeClr>
+          </a:lnRef>
+          <a:fillRef idx="1">
+            <a:schemeClr val="accent1"/>
+          </a:fillRef>
+          <a:effectRef idx="0">
+            <a:schemeClr val="accent1"/>
+          </a:effectRef>
+          <a:fontRef idx="minor">
+            <a:schemeClr val="lt1"/>
+          </a:fontRef>
+        </p:style>
+        <p:txBody>
+          <a:bodyPr rtlCol="0" anchor="ctr"/>
+          <a:lstStyle/>
+          <a:p>
+            <a:pPr algn="ctr"/>
+            <a:endParaRPr lang="fr-FR"/>
+          </a:p>
+        </p:txBody>
+      </p:sp>
+      <p:sp>
+        <p:nvSpPr>
+          <p:cNvPr id="168" name="ZoneTexte 167">
+            <a:extLst>
+              <a:ext uri="{FF2B5EF4-FFF2-40B4-BE49-F238E27FC236}">
+                <a16:creationId xmlns:a16="http://schemas.microsoft.com/office/drawing/2014/main" id="{0420FDC0-B60C-41A8-BBA2-560EC65D049E}"/>
+              </a:ext>
+            </a:extLst>
+          </p:cNvPr>
+          <p:cNvSpPr txBox="1"/>
+          <p:nvPr/>
+        </p:nvSpPr>
+        <p:spPr>
+          <a:xfrm>
+            <a:off x="6991433" y="6269589"/>
+            <a:ext cx="839713" cy="184666"/>
+          </a:xfrm>
+          <a:prstGeom prst="rect">
+            <a:avLst/>
+          </a:prstGeom>
+          <a:noFill/>
+        </p:spPr>
+        <p:txBody>
+          <a:bodyPr wrap="square" rtlCol="0">
+            <a:spAutoFit/>
+          </a:bodyPr>
+          <a:lstStyle/>
+          <a:p>
+            <a:r>
+              <a:rPr lang="fr-FR" sz="600" dirty="0" err="1"/>
+              <a:t>UndefinedEnclosure</a:t>
+            </a:r>
+            <a:endParaRPr lang="fr-FR" sz="600" dirty="0"/>
+          </a:p>
+        </p:txBody>
+      </p:sp>
+      <p:sp>
+        <p:nvSpPr>
+          <p:cNvPr id="170" name="Rectangle 169">
+            <a:extLst>
+              <a:ext uri="{FF2B5EF4-FFF2-40B4-BE49-F238E27FC236}">
+                <a16:creationId xmlns:a16="http://schemas.microsoft.com/office/drawing/2014/main" id="{826E593B-F678-4028-A223-D9073C62FC92}"/>
+              </a:ext>
+            </a:extLst>
+          </p:cNvPr>
+          <p:cNvSpPr/>
+          <p:nvPr/>
+        </p:nvSpPr>
+        <p:spPr>
+          <a:xfrm>
+            <a:off x="6996181" y="6447202"/>
+            <a:ext cx="839713" cy="58030"/>
+          </a:xfrm>
+          <a:prstGeom prst="rect">
+            <a:avLst/>
+          </a:prstGeom>
+          <a:solidFill>
+            <a:schemeClr val="bg1"/>
+          </a:solidFill>
+          <a:ln>
+            <a:solidFill>
+              <a:schemeClr val="tx1"/>
+            </a:solidFill>
+          </a:ln>
+        </p:spPr>
+        <p:style>
+          <a:lnRef idx="2">
+            <a:schemeClr val="accent1">
+              <a:shade val="50000"/>
+            </a:schemeClr>
+          </a:lnRef>
+          <a:fillRef idx="1">
+            <a:schemeClr val="accent1"/>
+          </a:fillRef>
+          <a:effectRef idx="0">
+            <a:schemeClr val="accent1"/>
+          </a:effectRef>
+          <a:fontRef idx="minor">
+            <a:schemeClr val="lt1"/>
+          </a:fontRef>
+        </p:style>
+        <p:txBody>
+          <a:bodyPr rtlCol="0" anchor="ctr"/>
+          <a:lstStyle/>
+          <a:p>
+            <a:pPr algn="ctr"/>
+            <a:endParaRPr lang="fr-FR"/>
+          </a:p>
+        </p:txBody>
+      </p:sp>
+      <p:sp>
+        <p:nvSpPr>
+          <p:cNvPr id="171" name="Rectangle 170">
+            <a:extLst>
+              <a:ext uri="{FF2B5EF4-FFF2-40B4-BE49-F238E27FC236}">
+                <a16:creationId xmlns:a16="http://schemas.microsoft.com/office/drawing/2014/main" id="{39BF98A5-5DC4-405A-AC56-8A0D5F1B8E86}"/>
+              </a:ext>
+            </a:extLst>
+          </p:cNvPr>
+          <p:cNvSpPr/>
+          <p:nvPr/>
+        </p:nvSpPr>
+        <p:spPr>
+          <a:xfrm>
+            <a:off x="6996181" y="6502515"/>
+            <a:ext cx="839713" cy="58030"/>
+          </a:xfrm>
+          <a:prstGeom prst="rect">
+            <a:avLst/>
+          </a:prstGeom>
+          <a:solidFill>
+            <a:schemeClr val="bg1"/>
+          </a:solidFill>
+          <a:ln>
+            <a:solidFill>
+              <a:schemeClr val="tx1"/>
+            </a:solidFill>
+          </a:ln>
+        </p:spPr>
+        <p:style>
+          <a:lnRef idx="2">
+            <a:schemeClr val="accent1">
+              <a:shade val="50000"/>
+            </a:schemeClr>
+          </a:lnRef>
+          <a:fillRef idx="1">
+            <a:schemeClr val="accent1"/>
+          </a:fillRef>
+          <a:effectRef idx="0">
+            <a:schemeClr val="accent1"/>
+          </a:effectRef>
+          <a:fontRef idx="minor">
+            <a:schemeClr val="lt1"/>
+          </a:fontRef>
+        </p:style>
+        <p:txBody>
+          <a:bodyPr rtlCol="0" anchor="ctr"/>
+          <a:lstStyle/>
+          <a:p>
+            <a:pPr algn="ctr"/>
+            <a:endParaRPr lang="fr-FR"/>
           </a:p>
         </p:txBody>
       </p:sp>
